--- a/Presentation1.pptx
+++ b/Presentation1.pptx
@@ -4,12 +4,22 @@
   <p:sldMasterIdLst>
     <p:sldMasterId id="2147483713" r:id="rId1"/>
   </p:sldMasterIdLst>
+  <p:notesMasterIdLst>
+    <p:notesMasterId r:id="rId14"/>
+  </p:notesMasterIdLst>
   <p:sldIdLst>
-    <p:sldId id="256" r:id="rId2"/>
+    <p:sldId id="264" r:id="rId2"/>
     <p:sldId id="257" r:id="rId3"/>
-    <p:sldId id="258" r:id="rId4"/>
-    <p:sldId id="259" r:id="rId5"/>
-    <p:sldId id="260" r:id="rId6"/>
+    <p:sldId id="262" r:id="rId4"/>
+    <p:sldId id="258" r:id="rId5"/>
+    <p:sldId id="259" r:id="rId6"/>
+    <p:sldId id="260" r:id="rId7"/>
+    <p:sldId id="263" r:id="rId8"/>
+    <p:sldId id="261" r:id="rId9"/>
+    <p:sldId id="266" r:id="rId10"/>
+    <p:sldId id="267" r:id="rId11"/>
+    <p:sldId id="269" r:id="rId12"/>
+    <p:sldId id="268" r:id="rId13"/>
   </p:sldIdLst>
   <p:sldSz cx="12192000" cy="6858000"/>
   <p:notesSz cx="6858000" cy="9144000"/>
@@ -116,6 +126,639 @@
 </p:presentation>
 </file>
 
+<file path=ppt/commentAuthors.xml><?xml version="1.0" encoding="utf-8"?>
+<p:cmAuthorLst xmlns:a="http://schemas.openxmlformats.org/drawingml/2006/main" xmlns:r="http://schemas.openxmlformats.org/officeDocument/2006/relationships" xmlns:p="http://schemas.openxmlformats.org/presentationml/2006/main">
+  <p:cmAuthor id="1" name="Microsoft Office User" initials="Office" lastIdx="1" clrIdx="0">
+    <p:extLst>
+      <p:ext uri="{19B8F6BF-5375-455C-9EA6-DF929625EA0E}">
+        <p15:presenceInfo xmlns:p15="http://schemas.microsoft.com/office/powerpoint/2012/main" userId="Microsoft Office User" providerId="None"/>
+      </p:ext>
+    </p:extLst>
+  </p:cmAuthor>
+</p:cmAuthorLst>
+</file>
+
+<file path=ppt/notesMasters/notesMaster1.xml><?xml version="1.0" encoding="utf-8"?>
+<p:notesMaster xmlns:a="http://schemas.openxmlformats.org/drawingml/2006/main" xmlns:r="http://schemas.openxmlformats.org/officeDocument/2006/relationships" xmlns:p="http://schemas.openxmlformats.org/presentationml/2006/main">
+  <p:cSld>
+    <p:bg>
+      <p:bgRef idx="1001">
+        <a:schemeClr val="bg1"/>
+      </p:bgRef>
+    </p:bg>
+    <p:spTree>
+      <p:nvGrpSpPr>
+        <p:cNvPr id="1" name=""/>
+        <p:cNvGrpSpPr/>
+        <p:nvPr/>
+      </p:nvGrpSpPr>
+      <p:grpSpPr>
+        <a:xfrm>
+          <a:off x="0" y="0"/>
+          <a:ext cx="0" cy="0"/>
+          <a:chOff x="0" y="0"/>
+          <a:chExt cx="0" cy="0"/>
+        </a:xfrm>
+      </p:grpSpPr>
+      <p:sp>
+        <p:nvSpPr>
+          <p:cNvPr id="2" name="Header Placeholder 1"/>
+          <p:cNvSpPr>
+            <a:spLocks noGrp="1"/>
+          </p:cNvSpPr>
+          <p:nvPr>
+            <p:ph type="hdr" sz="quarter"/>
+          </p:nvPr>
+        </p:nvSpPr>
+        <p:spPr>
+          <a:xfrm>
+            <a:off x="0" y="0"/>
+            <a:ext cx="2971800" cy="458788"/>
+          </a:xfrm>
+          <a:prstGeom prst="rect">
+            <a:avLst/>
+          </a:prstGeom>
+        </p:spPr>
+        <p:txBody>
+          <a:bodyPr vert="horz" lIns="91440" tIns="45720" rIns="91440" bIns="45720" rtlCol="0"/>
+          <a:lstStyle>
+            <a:lvl1pPr algn="l">
+              <a:defRPr sz="1200"/>
+            </a:lvl1pPr>
+          </a:lstStyle>
+          <a:p>
+            <a:endParaRPr lang="en-US"/>
+          </a:p>
+        </p:txBody>
+      </p:sp>
+      <p:sp>
+        <p:nvSpPr>
+          <p:cNvPr id="3" name="Date Placeholder 2"/>
+          <p:cNvSpPr>
+            <a:spLocks noGrp="1"/>
+          </p:cNvSpPr>
+          <p:nvPr>
+            <p:ph type="dt" idx="1"/>
+          </p:nvPr>
+        </p:nvSpPr>
+        <p:spPr>
+          <a:xfrm>
+            <a:off x="3884613" y="0"/>
+            <a:ext cx="2971800" cy="458788"/>
+          </a:xfrm>
+          <a:prstGeom prst="rect">
+            <a:avLst/>
+          </a:prstGeom>
+        </p:spPr>
+        <p:txBody>
+          <a:bodyPr vert="horz" lIns="91440" tIns="45720" rIns="91440" bIns="45720" rtlCol="0"/>
+          <a:lstStyle>
+            <a:lvl1pPr algn="r">
+              <a:defRPr sz="1200"/>
+            </a:lvl1pPr>
+          </a:lstStyle>
+          <a:p>
+            <a:fld id="{43B03D00-87E9-CD40-9E0A-A805911C206D}" type="datetimeFigureOut">
+              <a:rPr lang="en-US" smtClean="0"/>
+              <a:t>9/7/20</a:t>
+            </a:fld>
+            <a:endParaRPr lang="en-US"/>
+          </a:p>
+        </p:txBody>
+      </p:sp>
+      <p:sp>
+        <p:nvSpPr>
+          <p:cNvPr id="4" name="Slide Image Placeholder 3"/>
+          <p:cNvSpPr>
+            <a:spLocks noGrp="1" noRot="1" noChangeAspect="1"/>
+          </p:cNvSpPr>
+          <p:nvPr>
+            <p:ph type="sldImg" idx="2"/>
+          </p:nvPr>
+        </p:nvSpPr>
+        <p:spPr>
+          <a:xfrm>
+            <a:off x="685800" y="1143000"/>
+            <a:ext cx="5486400" cy="3086100"/>
+          </a:xfrm>
+          <a:prstGeom prst="rect">
+            <a:avLst/>
+          </a:prstGeom>
+          <a:noFill/>
+          <a:ln w="12700">
+            <a:solidFill>
+              <a:prstClr val="black"/>
+            </a:solidFill>
+          </a:ln>
+        </p:spPr>
+        <p:txBody>
+          <a:bodyPr vert="horz" lIns="91440" tIns="45720" rIns="91440" bIns="45720" rtlCol="0" anchor="ctr"/>
+          <a:lstStyle/>
+          <a:p>
+            <a:endParaRPr lang="en-US"/>
+          </a:p>
+        </p:txBody>
+      </p:sp>
+      <p:sp>
+        <p:nvSpPr>
+          <p:cNvPr id="5" name="Notes Placeholder 4"/>
+          <p:cNvSpPr>
+            <a:spLocks noGrp="1"/>
+          </p:cNvSpPr>
+          <p:nvPr>
+            <p:ph type="body" sz="quarter" idx="3"/>
+          </p:nvPr>
+        </p:nvSpPr>
+        <p:spPr>
+          <a:xfrm>
+            <a:off x="685800" y="4400550"/>
+            <a:ext cx="5486400" cy="3600450"/>
+          </a:xfrm>
+          <a:prstGeom prst="rect">
+            <a:avLst/>
+          </a:prstGeom>
+        </p:spPr>
+        <p:txBody>
+          <a:bodyPr vert="horz" lIns="91440" tIns="45720" rIns="91440" bIns="45720" rtlCol="0"/>
+          <a:lstStyle/>
+          <a:p>
+            <a:pPr lvl="0"/>
+            <a:r>
+              <a:rPr lang="en-US"/>
+              <a:t>Click to edit Master text styles</a:t>
+            </a:r>
+          </a:p>
+          <a:p>
+            <a:pPr lvl="1"/>
+            <a:r>
+              <a:rPr lang="en-US"/>
+              <a:t>Second level</a:t>
+            </a:r>
+          </a:p>
+          <a:p>
+            <a:pPr lvl="2"/>
+            <a:r>
+              <a:rPr lang="en-US"/>
+              <a:t>Third level</a:t>
+            </a:r>
+          </a:p>
+          <a:p>
+            <a:pPr lvl="3"/>
+            <a:r>
+              <a:rPr lang="en-US"/>
+              <a:t>Fourth level</a:t>
+            </a:r>
+          </a:p>
+          <a:p>
+            <a:pPr lvl="4"/>
+            <a:r>
+              <a:rPr lang="en-US"/>
+              <a:t>Fifth level</a:t>
+            </a:r>
+          </a:p>
+        </p:txBody>
+      </p:sp>
+      <p:sp>
+        <p:nvSpPr>
+          <p:cNvPr id="6" name="Footer Placeholder 5"/>
+          <p:cNvSpPr>
+            <a:spLocks noGrp="1"/>
+          </p:cNvSpPr>
+          <p:nvPr>
+            <p:ph type="ftr" sz="quarter" idx="4"/>
+          </p:nvPr>
+        </p:nvSpPr>
+        <p:spPr>
+          <a:xfrm>
+            <a:off x="0" y="8685213"/>
+            <a:ext cx="2971800" cy="458787"/>
+          </a:xfrm>
+          <a:prstGeom prst="rect">
+            <a:avLst/>
+          </a:prstGeom>
+        </p:spPr>
+        <p:txBody>
+          <a:bodyPr vert="horz" lIns="91440" tIns="45720" rIns="91440" bIns="45720" rtlCol="0" anchor="b"/>
+          <a:lstStyle>
+            <a:lvl1pPr algn="l">
+              <a:defRPr sz="1200"/>
+            </a:lvl1pPr>
+          </a:lstStyle>
+          <a:p>
+            <a:endParaRPr lang="en-US"/>
+          </a:p>
+        </p:txBody>
+      </p:sp>
+      <p:sp>
+        <p:nvSpPr>
+          <p:cNvPr id="7" name="Slide Number Placeholder 6"/>
+          <p:cNvSpPr>
+            <a:spLocks noGrp="1"/>
+          </p:cNvSpPr>
+          <p:nvPr>
+            <p:ph type="sldNum" sz="quarter" idx="5"/>
+          </p:nvPr>
+        </p:nvSpPr>
+        <p:spPr>
+          <a:xfrm>
+            <a:off x="3884613" y="8685213"/>
+            <a:ext cx="2971800" cy="458787"/>
+          </a:xfrm>
+          <a:prstGeom prst="rect">
+            <a:avLst/>
+          </a:prstGeom>
+        </p:spPr>
+        <p:txBody>
+          <a:bodyPr vert="horz" lIns="91440" tIns="45720" rIns="91440" bIns="45720" rtlCol="0" anchor="b"/>
+          <a:lstStyle>
+            <a:lvl1pPr algn="r">
+              <a:defRPr sz="1200"/>
+            </a:lvl1pPr>
+          </a:lstStyle>
+          <a:p>
+            <a:fld id="{B4C64AD5-8805-2546-9ABC-6B6BC5EF0F2A}" type="slidenum">
+              <a:rPr lang="en-US" smtClean="0"/>
+              <a:t>‹#›</a:t>
+            </a:fld>
+            <a:endParaRPr lang="en-US"/>
+          </a:p>
+        </p:txBody>
+      </p:sp>
+    </p:spTree>
+    <p:extLst>
+      <p:ext uri="{BB962C8B-B14F-4D97-AF65-F5344CB8AC3E}">
+        <p14:creationId xmlns:p14="http://schemas.microsoft.com/office/powerpoint/2010/main" val="3944690535"/>
+      </p:ext>
+    </p:extLst>
+  </p:cSld>
+  <p:clrMap bg1="lt1" tx1="dk1" bg2="lt2" tx2="dk2" accent1="accent1" accent2="accent2" accent3="accent3" accent4="accent4" accent5="accent5" accent6="accent6" hlink="hlink" folHlink="folHlink"/>
+  <p:notesStyle>
+    <a:lvl1pPr marL="0" algn="l" defTabSz="914400" rtl="0" eaLnBrk="1" latinLnBrk="0" hangingPunct="1">
+      <a:defRPr sz="1200" kern="1200">
+        <a:solidFill>
+          <a:schemeClr val="tx1"/>
+        </a:solidFill>
+        <a:latin typeface="+mn-lt"/>
+        <a:ea typeface="+mn-ea"/>
+        <a:cs typeface="+mn-cs"/>
+      </a:defRPr>
+    </a:lvl1pPr>
+    <a:lvl2pPr marL="457200" algn="l" defTabSz="914400" rtl="0" eaLnBrk="1" latinLnBrk="0" hangingPunct="1">
+      <a:defRPr sz="1200" kern="1200">
+        <a:solidFill>
+          <a:schemeClr val="tx1"/>
+        </a:solidFill>
+        <a:latin typeface="+mn-lt"/>
+        <a:ea typeface="+mn-ea"/>
+        <a:cs typeface="+mn-cs"/>
+      </a:defRPr>
+    </a:lvl2pPr>
+    <a:lvl3pPr marL="914400" algn="l" defTabSz="914400" rtl="0" eaLnBrk="1" latinLnBrk="0" hangingPunct="1">
+      <a:defRPr sz="1200" kern="1200">
+        <a:solidFill>
+          <a:schemeClr val="tx1"/>
+        </a:solidFill>
+        <a:latin typeface="+mn-lt"/>
+        <a:ea typeface="+mn-ea"/>
+        <a:cs typeface="+mn-cs"/>
+      </a:defRPr>
+    </a:lvl3pPr>
+    <a:lvl4pPr marL="1371600" algn="l" defTabSz="914400" rtl="0" eaLnBrk="1" latinLnBrk="0" hangingPunct="1">
+      <a:defRPr sz="1200" kern="1200">
+        <a:solidFill>
+          <a:schemeClr val="tx1"/>
+        </a:solidFill>
+        <a:latin typeface="+mn-lt"/>
+        <a:ea typeface="+mn-ea"/>
+        <a:cs typeface="+mn-cs"/>
+      </a:defRPr>
+    </a:lvl4pPr>
+    <a:lvl5pPr marL="1828800" algn="l" defTabSz="914400" rtl="0" eaLnBrk="1" latinLnBrk="0" hangingPunct="1">
+      <a:defRPr sz="1200" kern="1200">
+        <a:solidFill>
+          <a:schemeClr val="tx1"/>
+        </a:solidFill>
+        <a:latin typeface="+mn-lt"/>
+        <a:ea typeface="+mn-ea"/>
+        <a:cs typeface="+mn-cs"/>
+      </a:defRPr>
+    </a:lvl5pPr>
+    <a:lvl6pPr marL="2286000" algn="l" defTabSz="914400" rtl="0" eaLnBrk="1" latinLnBrk="0" hangingPunct="1">
+      <a:defRPr sz="1200" kern="1200">
+        <a:solidFill>
+          <a:schemeClr val="tx1"/>
+        </a:solidFill>
+        <a:latin typeface="+mn-lt"/>
+        <a:ea typeface="+mn-ea"/>
+        <a:cs typeface="+mn-cs"/>
+      </a:defRPr>
+    </a:lvl6pPr>
+    <a:lvl7pPr marL="2743200" algn="l" defTabSz="914400" rtl="0" eaLnBrk="1" latinLnBrk="0" hangingPunct="1">
+      <a:defRPr sz="1200" kern="1200">
+        <a:solidFill>
+          <a:schemeClr val="tx1"/>
+        </a:solidFill>
+        <a:latin typeface="+mn-lt"/>
+        <a:ea typeface="+mn-ea"/>
+        <a:cs typeface="+mn-cs"/>
+      </a:defRPr>
+    </a:lvl7pPr>
+    <a:lvl8pPr marL="3200400" algn="l" defTabSz="914400" rtl="0" eaLnBrk="1" latinLnBrk="0" hangingPunct="1">
+      <a:defRPr sz="1200" kern="1200">
+        <a:solidFill>
+          <a:schemeClr val="tx1"/>
+        </a:solidFill>
+        <a:latin typeface="+mn-lt"/>
+        <a:ea typeface="+mn-ea"/>
+        <a:cs typeface="+mn-cs"/>
+      </a:defRPr>
+    </a:lvl8pPr>
+    <a:lvl9pPr marL="3657600" algn="l" defTabSz="914400" rtl="0" eaLnBrk="1" latinLnBrk="0" hangingPunct="1">
+      <a:defRPr sz="1200" kern="1200">
+        <a:solidFill>
+          <a:schemeClr val="tx1"/>
+        </a:solidFill>
+        <a:latin typeface="+mn-lt"/>
+        <a:ea typeface="+mn-ea"/>
+        <a:cs typeface="+mn-cs"/>
+      </a:defRPr>
+    </a:lvl9pPr>
+  </p:notesStyle>
+</p:notesMaster>
+</file>
+
+<file path=ppt/notesSlides/notesSlide1.xml><?xml version="1.0" encoding="utf-8"?>
+<p:notes xmlns:a="http://schemas.openxmlformats.org/drawingml/2006/main" xmlns:r="http://schemas.openxmlformats.org/officeDocument/2006/relationships" xmlns:p="http://schemas.openxmlformats.org/presentationml/2006/main">
+  <p:cSld>
+    <p:spTree>
+      <p:nvGrpSpPr>
+        <p:cNvPr id="1" name=""/>
+        <p:cNvGrpSpPr/>
+        <p:nvPr/>
+      </p:nvGrpSpPr>
+      <p:grpSpPr>
+        <a:xfrm>
+          <a:off x="0" y="0"/>
+          <a:ext cx="0" cy="0"/>
+          <a:chOff x="0" y="0"/>
+          <a:chExt cx="0" cy="0"/>
+        </a:xfrm>
+      </p:grpSpPr>
+      <p:sp>
+        <p:nvSpPr>
+          <p:cNvPr id="2" name="Slide Image Placeholder 1"/>
+          <p:cNvSpPr>
+            <a:spLocks noGrp="1" noRot="1" noChangeAspect="1"/>
+          </p:cNvSpPr>
+          <p:nvPr>
+            <p:ph type="sldImg"/>
+          </p:nvPr>
+        </p:nvSpPr>
+        <p:spPr/>
+      </p:sp>
+      <p:sp>
+        <p:nvSpPr>
+          <p:cNvPr id="3" name="Notes Placeholder 2"/>
+          <p:cNvSpPr>
+            <a:spLocks noGrp="1"/>
+          </p:cNvSpPr>
+          <p:nvPr>
+            <p:ph type="body" idx="1"/>
+          </p:nvPr>
+        </p:nvSpPr>
+        <p:spPr/>
+        <p:txBody>
+          <a:bodyPr/>
+          <a:lstStyle/>
+          <a:p>
+            <a:r>
+              <a:rPr lang="en-US" dirty="0"/>
+              <a:t>CAP theorem</a:t>
+            </a:r>
+          </a:p>
+        </p:txBody>
+      </p:sp>
+      <p:sp>
+        <p:nvSpPr>
+          <p:cNvPr id="4" name="Slide Number Placeholder 3"/>
+          <p:cNvSpPr>
+            <a:spLocks noGrp="1"/>
+          </p:cNvSpPr>
+          <p:nvPr>
+            <p:ph type="sldNum" sz="quarter" idx="5"/>
+          </p:nvPr>
+        </p:nvSpPr>
+        <p:spPr/>
+        <p:txBody>
+          <a:bodyPr/>
+          <a:lstStyle/>
+          <a:p>
+            <a:fld id="{B4C64AD5-8805-2546-9ABC-6B6BC5EF0F2A}" type="slidenum">
+              <a:rPr lang="en-US" smtClean="0"/>
+              <a:t>1</a:t>
+            </a:fld>
+            <a:endParaRPr lang="en-US"/>
+          </a:p>
+        </p:txBody>
+      </p:sp>
+    </p:spTree>
+    <p:extLst>
+      <p:ext uri="{BB962C8B-B14F-4D97-AF65-F5344CB8AC3E}">
+        <p14:creationId xmlns:p14="http://schemas.microsoft.com/office/powerpoint/2010/main" val="340883262"/>
+      </p:ext>
+    </p:extLst>
+  </p:cSld>
+  <p:clrMapOvr>
+    <a:masterClrMapping/>
+  </p:clrMapOvr>
+</p:notes>
+</file>
+
+<file path=ppt/notesSlides/notesSlide2.xml><?xml version="1.0" encoding="utf-8"?>
+<p:notes xmlns:a="http://schemas.openxmlformats.org/drawingml/2006/main" xmlns:r="http://schemas.openxmlformats.org/officeDocument/2006/relationships" xmlns:p="http://schemas.openxmlformats.org/presentationml/2006/main">
+  <p:cSld>
+    <p:spTree>
+      <p:nvGrpSpPr>
+        <p:cNvPr id="1" name=""/>
+        <p:cNvGrpSpPr/>
+        <p:nvPr/>
+      </p:nvGrpSpPr>
+      <p:grpSpPr>
+        <a:xfrm>
+          <a:off x="0" y="0"/>
+          <a:ext cx="0" cy="0"/>
+          <a:chOff x="0" y="0"/>
+          <a:chExt cx="0" cy="0"/>
+        </a:xfrm>
+      </p:grpSpPr>
+      <p:sp>
+        <p:nvSpPr>
+          <p:cNvPr id="2" name="Slide Image Placeholder 1"/>
+          <p:cNvSpPr>
+            <a:spLocks noGrp="1" noRot="1" noChangeAspect="1"/>
+          </p:cNvSpPr>
+          <p:nvPr>
+            <p:ph type="sldImg"/>
+          </p:nvPr>
+        </p:nvSpPr>
+        <p:spPr/>
+      </p:sp>
+      <p:sp>
+        <p:nvSpPr>
+          <p:cNvPr id="3" name="Notes Placeholder 2"/>
+          <p:cNvSpPr>
+            <a:spLocks noGrp="1"/>
+          </p:cNvSpPr>
+          <p:nvPr>
+            <p:ph type="body" idx="1"/>
+          </p:nvPr>
+        </p:nvSpPr>
+        <p:spPr/>
+        <p:txBody>
+          <a:bodyPr/>
+          <a:lstStyle/>
+          <a:p>
+            <a:endParaRPr lang="en-US" dirty="0"/>
+          </a:p>
+        </p:txBody>
+      </p:sp>
+      <p:sp>
+        <p:nvSpPr>
+          <p:cNvPr id="4" name="Slide Number Placeholder 3"/>
+          <p:cNvSpPr>
+            <a:spLocks noGrp="1"/>
+          </p:cNvSpPr>
+          <p:nvPr>
+            <p:ph type="sldNum" sz="quarter" idx="5"/>
+          </p:nvPr>
+        </p:nvSpPr>
+        <p:spPr/>
+        <p:txBody>
+          <a:bodyPr/>
+          <a:lstStyle/>
+          <a:p>
+            <a:fld id="{B4C64AD5-8805-2546-9ABC-6B6BC5EF0F2A}" type="slidenum">
+              <a:rPr lang="en-US" smtClean="0"/>
+              <a:t>2</a:t>
+            </a:fld>
+            <a:endParaRPr lang="en-US"/>
+          </a:p>
+        </p:txBody>
+      </p:sp>
+    </p:spTree>
+    <p:extLst>
+      <p:ext uri="{BB962C8B-B14F-4D97-AF65-F5344CB8AC3E}">
+        <p14:creationId xmlns:p14="http://schemas.microsoft.com/office/powerpoint/2010/main" val="4068420287"/>
+      </p:ext>
+    </p:extLst>
+  </p:cSld>
+  <p:clrMapOvr>
+    <a:masterClrMapping/>
+  </p:clrMapOvr>
+</p:notes>
+</file>
+
+<file path=ppt/notesSlides/notesSlide3.xml><?xml version="1.0" encoding="utf-8"?>
+<p:notes xmlns:a="http://schemas.openxmlformats.org/drawingml/2006/main" xmlns:r="http://schemas.openxmlformats.org/officeDocument/2006/relationships" xmlns:p="http://schemas.openxmlformats.org/presentationml/2006/main">
+  <p:cSld>
+    <p:spTree>
+      <p:nvGrpSpPr>
+        <p:cNvPr id="1" name=""/>
+        <p:cNvGrpSpPr/>
+        <p:nvPr/>
+      </p:nvGrpSpPr>
+      <p:grpSpPr>
+        <a:xfrm>
+          <a:off x="0" y="0"/>
+          <a:ext cx="0" cy="0"/>
+          <a:chOff x="0" y="0"/>
+          <a:chExt cx="0" cy="0"/>
+        </a:xfrm>
+      </p:grpSpPr>
+      <p:sp>
+        <p:nvSpPr>
+          <p:cNvPr id="2" name="Slide Image Placeholder 1"/>
+          <p:cNvSpPr>
+            <a:spLocks noGrp="1" noRot="1" noChangeAspect="1"/>
+          </p:cNvSpPr>
+          <p:nvPr>
+            <p:ph type="sldImg"/>
+          </p:nvPr>
+        </p:nvSpPr>
+        <p:spPr/>
+      </p:sp>
+      <p:sp>
+        <p:nvSpPr>
+          <p:cNvPr id="3" name="Notes Placeholder 2"/>
+          <p:cNvSpPr>
+            <a:spLocks noGrp="1"/>
+          </p:cNvSpPr>
+          <p:nvPr>
+            <p:ph type="body" idx="1"/>
+          </p:nvPr>
+        </p:nvSpPr>
+        <p:spPr/>
+        <p:txBody>
+          <a:bodyPr/>
+          <a:lstStyle/>
+          <a:p>
+            <a:pPr marL="0" algn="r" defTabSz="914400" rtl="1" eaLnBrk="1" latinLnBrk="0" hangingPunct="1"/>
+            <a:r>
+              <a:rPr lang="fa-IR" dirty="0" err="1"/>
+              <a:t>پکت</a:t>
+            </a:r>
+            <a:r>
+              <a:rPr lang="fa-IR" dirty="0"/>
+              <a:t> لاس با افزایش تعداد </a:t>
+            </a:r>
+            <a:r>
+              <a:rPr lang="fa-IR" dirty="0" err="1"/>
+              <a:t>سوییچ</a:t>
+            </a:r>
+            <a:r>
+              <a:rPr lang="fa-IR" dirty="0"/>
+              <a:t> ها زیاد نمیشود.</a:t>
+            </a:r>
+            <a:endParaRPr lang="en-US" dirty="0"/>
+          </a:p>
+        </p:txBody>
+      </p:sp>
+      <p:sp>
+        <p:nvSpPr>
+          <p:cNvPr id="4" name="Slide Number Placeholder 3"/>
+          <p:cNvSpPr>
+            <a:spLocks noGrp="1"/>
+          </p:cNvSpPr>
+          <p:nvPr>
+            <p:ph type="sldNum" sz="quarter" idx="5"/>
+          </p:nvPr>
+        </p:nvSpPr>
+        <p:spPr/>
+        <p:txBody>
+          <a:bodyPr/>
+          <a:lstStyle/>
+          <a:p>
+            <a:fld id="{B4C64AD5-8805-2546-9ABC-6B6BC5EF0F2A}" type="slidenum">
+              <a:rPr lang="en-US" smtClean="0"/>
+              <a:t>11</a:t>
+            </a:fld>
+            <a:endParaRPr lang="en-US"/>
+          </a:p>
+        </p:txBody>
+      </p:sp>
+    </p:spTree>
+    <p:extLst>
+      <p:ext uri="{BB962C8B-B14F-4D97-AF65-F5344CB8AC3E}">
+        <p14:creationId xmlns:p14="http://schemas.microsoft.com/office/powerpoint/2010/main" val="1772412262"/>
+      </p:ext>
+    </p:extLst>
+  </p:cSld>
+  <p:clrMapOvr>
+    <a:masterClrMapping/>
+  </p:clrMapOvr>
+</p:notes>
+</file>
+
 <file path=ppt/slideLayouts/slideLayout1.xml><?xml version="1.0" encoding="utf-8"?>
 <p:sldLayout xmlns:a="http://schemas.openxmlformats.org/drawingml/2006/main" xmlns:r="http://schemas.openxmlformats.org/officeDocument/2006/relationships" xmlns:p="http://schemas.openxmlformats.org/presentationml/2006/main" type="title" preserve="1">
   <p:cSld name="Title Slide">
@@ -286,7 +929,7 @@
           <a:p>
             <a:fld id="{CB6EDE66-5AA1-8B45-AA44-4FC69B15FE04}" type="datetimeFigureOut">
               <a:rPr lang="en-US" smtClean="0"/>
-              <a:t>9/6/20</a:t>
+              <a:t>9/7/20</a:t>
             </a:fld>
             <a:endParaRPr lang="en-US"/>
           </a:p>
@@ -553,7 +1196,7 @@
           <a:p>
             <a:fld id="{CB6EDE66-5AA1-8B45-AA44-4FC69B15FE04}" type="datetimeFigureOut">
               <a:rPr lang="en-US" smtClean="0"/>
-              <a:t>9/6/20</a:t>
+              <a:t>9/7/20</a:t>
             </a:fld>
             <a:endParaRPr lang="en-US"/>
           </a:p>
@@ -784,7 +1427,7 @@
           <a:p>
             <a:fld id="{CB6EDE66-5AA1-8B45-AA44-4FC69B15FE04}" type="datetimeFigureOut">
               <a:rPr lang="en-US" smtClean="0"/>
-              <a:t>9/6/20</a:t>
+              <a:t>9/7/20</a:t>
             </a:fld>
             <a:endParaRPr lang="en-US"/>
           </a:p>
@@ -1094,7 +1737,7 @@
           <a:p>
             <a:fld id="{CB6EDE66-5AA1-8B45-AA44-4FC69B15FE04}" type="datetimeFigureOut">
               <a:rPr lang="en-US" smtClean="0"/>
-              <a:t>9/6/20</a:t>
+              <a:t>9/7/20</a:t>
             </a:fld>
             <a:endParaRPr lang="en-US"/>
           </a:p>
@@ -1567,7 +2210,7 @@
           <a:p>
             <a:fld id="{CB6EDE66-5AA1-8B45-AA44-4FC69B15FE04}" type="datetimeFigureOut">
               <a:rPr lang="en-US" smtClean="0"/>
-              <a:t>9/6/20</a:t>
+              <a:t>9/7/20</a:t>
             </a:fld>
             <a:endParaRPr lang="en-US"/>
           </a:p>
@@ -2114,7 +2757,7 @@
           <a:p>
             <a:fld id="{CB6EDE66-5AA1-8B45-AA44-4FC69B15FE04}" type="datetimeFigureOut">
               <a:rPr lang="en-US" smtClean="0"/>
-              <a:t>9/6/20</a:t>
+              <a:t>9/7/20</a:t>
             </a:fld>
             <a:endParaRPr lang="en-US"/>
           </a:p>
@@ -2888,7 +3531,7 @@
           <a:p>
             <a:fld id="{CB6EDE66-5AA1-8B45-AA44-4FC69B15FE04}" type="datetimeFigureOut">
               <a:rPr lang="en-US" smtClean="0"/>
-              <a:t>9/6/20</a:t>
+              <a:t>9/7/20</a:t>
             </a:fld>
             <a:endParaRPr lang="en-US"/>
           </a:p>
@@ -3063,7 +3706,7 @@
           <a:p>
             <a:fld id="{CB6EDE66-5AA1-8B45-AA44-4FC69B15FE04}" type="datetimeFigureOut">
               <a:rPr lang="en-US" smtClean="0"/>
-              <a:t>9/6/20</a:t>
+              <a:t>9/7/20</a:t>
             </a:fld>
             <a:endParaRPr lang="en-US"/>
           </a:p>
@@ -3286,7 +3929,7 @@
           <a:p>
             <a:fld id="{CB6EDE66-5AA1-8B45-AA44-4FC69B15FE04}" type="datetimeFigureOut">
               <a:rPr lang="en-US" smtClean="0"/>
-              <a:t>9/6/20</a:t>
+              <a:t>9/7/20</a:t>
             </a:fld>
             <a:endParaRPr lang="en-US"/>
           </a:p>
@@ -3466,7 +4109,7 @@
           <a:p>
             <a:fld id="{CB6EDE66-5AA1-8B45-AA44-4FC69B15FE04}" type="datetimeFigureOut">
               <a:rPr lang="en-US" smtClean="0"/>
-              <a:t>9/6/20</a:t>
+              <a:t>9/7/20</a:t>
             </a:fld>
             <a:endParaRPr lang="en-US"/>
           </a:p>
@@ -3755,7 +4398,7 @@
           <a:p>
             <a:fld id="{CB6EDE66-5AA1-8B45-AA44-4FC69B15FE04}" type="datetimeFigureOut">
               <a:rPr lang="en-US" smtClean="0"/>
-              <a:t>9/6/20</a:t>
+              <a:t>9/7/20</a:t>
             </a:fld>
             <a:endParaRPr lang="en-US"/>
           </a:p>
@@ -3997,7 +4640,7 @@
           <a:p>
             <a:fld id="{CB6EDE66-5AA1-8B45-AA44-4FC69B15FE04}" type="datetimeFigureOut">
               <a:rPr lang="en-US" smtClean="0"/>
-              <a:t>9/6/20</a:t>
+              <a:t>9/7/20</a:t>
             </a:fld>
             <a:endParaRPr lang="en-US"/>
           </a:p>
@@ -4376,7 +5019,7 @@
           <a:p>
             <a:fld id="{CB6EDE66-5AA1-8B45-AA44-4FC69B15FE04}" type="datetimeFigureOut">
               <a:rPr lang="en-US" smtClean="0"/>
-              <a:t>9/6/20</a:t>
+              <a:t>9/7/20</a:t>
             </a:fld>
             <a:endParaRPr lang="en-US"/>
           </a:p>
@@ -4494,7 +5137,7 @@
           <a:p>
             <a:fld id="{CB6EDE66-5AA1-8B45-AA44-4FC69B15FE04}" type="datetimeFigureOut">
               <a:rPr lang="en-US" smtClean="0"/>
-              <a:t>9/6/20</a:t>
+              <a:t>9/7/20</a:t>
             </a:fld>
             <a:endParaRPr lang="en-US"/>
           </a:p>
@@ -4589,7 +5232,7 @@
           <a:p>
             <a:fld id="{CB6EDE66-5AA1-8B45-AA44-4FC69B15FE04}" type="datetimeFigureOut">
               <a:rPr lang="en-US" smtClean="0"/>
-              <a:t>9/6/20</a:t>
+              <a:t>9/7/20</a:t>
             </a:fld>
             <a:endParaRPr lang="en-US"/>
           </a:p>
@@ -4838,7 +5481,7 @@
           <a:p>
             <a:fld id="{CB6EDE66-5AA1-8B45-AA44-4FC69B15FE04}" type="datetimeFigureOut">
               <a:rPr lang="en-US" smtClean="0"/>
-              <a:t>9/6/20</a:t>
+              <a:t>9/7/20</a:t>
             </a:fld>
             <a:endParaRPr lang="en-US"/>
           </a:p>
@@ -5095,7 +5738,7 @@
           <a:p>
             <a:fld id="{CB6EDE66-5AA1-8B45-AA44-4FC69B15FE04}" type="datetimeFigureOut">
               <a:rPr lang="en-US" smtClean="0"/>
-              <a:t>9/6/20</a:t>
+              <a:t>9/7/20</a:t>
             </a:fld>
             <a:endParaRPr lang="en-US"/>
           </a:p>
@@ -5338,7 +5981,7 @@
           <a:p>
             <a:fld id="{CB6EDE66-5AA1-8B45-AA44-4FC69B15FE04}" type="datetimeFigureOut">
               <a:rPr lang="en-US" smtClean="0"/>
-              <a:t>9/6/20</a:t>
+              <a:t>9/7/20</a:t>
             </a:fld>
             <a:endParaRPr lang="en-US"/>
           </a:p>
@@ -5754,7 +6397,7 @@
           <p:cNvPr id="2" name="Title 1">
             <a:extLst>
               <a:ext uri="{FF2B5EF4-FFF2-40B4-BE49-F238E27FC236}">
-                <a16:creationId xmlns:a16="http://schemas.microsoft.com/office/drawing/2014/main" id="{B3389E0C-EF1F-A34C-834F-B29839867223}"/>
+                <a16:creationId xmlns:a16="http://schemas.microsoft.com/office/drawing/2014/main" id="{BE52D4F6-E255-8148-AC43-DFB2126BC059}"/>
               </a:ext>
             </a:extLst>
           </p:cNvPr>
@@ -5762,47 +6405,459 @@
             <a:spLocks noGrp="1"/>
           </p:cNvSpPr>
           <p:nvPr>
-            <p:ph type="ctrTitle"/>
-          </p:nvPr>
-        </p:nvSpPr>
-        <p:spPr/>
-        <p:txBody>
-          <a:bodyPr/>
-          <a:lstStyle/>
-          <a:p>
-            <a:endParaRPr lang="en-US"/>
-          </a:p>
-        </p:txBody>
-      </p:sp>
-      <p:sp>
-        <p:nvSpPr>
-          <p:cNvPr id="3" name="Subtitle 2">
+            <p:ph type="title"/>
+          </p:nvPr>
+        </p:nvSpPr>
+        <p:spPr>
+          <a:xfrm>
+            <a:off x="685799" y="816925"/>
+            <a:ext cx="10820400" cy="1293028"/>
+          </a:xfrm>
+        </p:spPr>
+        <p:txBody>
+          <a:bodyPr>
+            <a:normAutofit/>
+          </a:bodyPr>
+          <a:lstStyle/>
+          <a:p>
+            <a:pPr algn="l"/>
+            <a:r>
+              <a:rPr lang="en-US" sz="3600" dirty="0"/>
+              <a:t>Taxonomy of consistent network update problem</a:t>
+            </a:r>
+          </a:p>
+        </p:txBody>
+      </p:sp>
+      <p:pic>
+        <p:nvPicPr>
+          <p:cNvPr id="5" name="Content Placeholder 4">
             <a:extLst>
               <a:ext uri="{FF2B5EF4-FFF2-40B4-BE49-F238E27FC236}">
-                <a16:creationId xmlns:a16="http://schemas.microsoft.com/office/drawing/2014/main" id="{32A70F8D-3830-4641-BF65-720FFA546CA6}"/>
+                <a16:creationId xmlns:a16="http://schemas.microsoft.com/office/drawing/2014/main" id="{A87079D2-94E5-1249-8F6F-93C043969ABB}"/>
               </a:ext>
             </a:extLst>
           </p:cNvPr>
-          <p:cNvSpPr>
-            <a:spLocks noGrp="1"/>
-          </p:cNvSpPr>
-          <p:nvPr>
-            <p:ph type="subTitle" idx="1"/>
-          </p:nvPr>
-        </p:nvSpPr>
-        <p:spPr/>
-        <p:txBody>
-          <a:bodyPr/>
-          <a:lstStyle/>
-          <a:p>
-            <a:endParaRPr lang="en-US"/>
-          </a:p>
-        </p:txBody>
-      </p:sp>
+          <p:cNvPicPr>
+            <a:picLocks noGrp="1" noChangeAspect="1"/>
+          </p:cNvPicPr>
+          <p:nvPr>
+            <p:ph idx="1"/>
+          </p:nvPr>
+        </p:nvPicPr>
+        <p:blipFill>
+          <a:blip r:embed="rId3"/>
+          <a:stretch>
+            <a:fillRect/>
+          </a:stretch>
+        </p:blipFill>
+        <p:spPr>
+          <a:xfrm>
+            <a:off x="3380852" y="2193925"/>
+            <a:ext cx="5430296" cy="4024313"/>
+          </a:xfrm>
+        </p:spPr>
+      </p:pic>
     </p:spTree>
     <p:extLst>
       <p:ext uri="{BB962C8B-B14F-4D97-AF65-F5344CB8AC3E}">
-        <p14:creationId xmlns:p14="http://schemas.microsoft.com/office/powerpoint/2010/main" val="4250625873"/>
+        <p14:creationId xmlns:p14="http://schemas.microsoft.com/office/powerpoint/2010/main" val="3110576048"/>
+      </p:ext>
+    </p:extLst>
+  </p:cSld>
+  <p:clrMapOvr>
+    <a:masterClrMapping/>
+  </p:clrMapOvr>
+</p:sld>
+</file>
+
+<file path=ppt/slides/slide10.xml><?xml version="1.0" encoding="utf-8"?>
+<p:sld xmlns:a="http://schemas.openxmlformats.org/drawingml/2006/main" xmlns:r="http://schemas.openxmlformats.org/officeDocument/2006/relationships" xmlns:p="http://schemas.openxmlformats.org/presentationml/2006/main">
+  <p:cSld>
+    <p:spTree>
+      <p:nvGrpSpPr>
+        <p:cNvPr id="1" name=""/>
+        <p:cNvGrpSpPr/>
+        <p:nvPr/>
+      </p:nvGrpSpPr>
+      <p:grpSpPr>
+        <a:xfrm>
+          <a:off x="0" y="0"/>
+          <a:ext cx="0" cy="0"/>
+          <a:chOff x="0" y="0"/>
+          <a:chExt cx="0" cy="0"/>
+        </a:xfrm>
+      </p:grpSpPr>
+      <p:sp>
+        <p:nvSpPr>
+          <p:cNvPr id="2" name="Title 1">
+            <a:extLst>
+              <a:ext uri="{FF2B5EF4-FFF2-40B4-BE49-F238E27FC236}">
+                <a16:creationId xmlns:a16="http://schemas.microsoft.com/office/drawing/2014/main" id="{C8CBC44D-5344-6345-95AF-55CD2A6C87CD}"/>
+              </a:ext>
+            </a:extLst>
+          </p:cNvPr>
+          <p:cNvSpPr>
+            <a:spLocks noGrp="1"/>
+          </p:cNvSpPr>
+          <p:nvPr>
+            <p:ph type="title"/>
+          </p:nvPr>
+        </p:nvSpPr>
+        <p:spPr>
+          <a:xfrm>
+            <a:off x="685800" y="785394"/>
+            <a:ext cx="8610600" cy="1293028"/>
+          </a:xfrm>
+        </p:spPr>
+        <p:txBody>
+          <a:bodyPr/>
+          <a:lstStyle/>
+          <a:p>
+            <a:pPr algn="l"/>
+            <a:r>
+              <a:rPr lang="en-US" dirty="0"/>
+              <a:t>Time4 vs other approaches </a:t>
+            </a:r>
+          </a:p>
+        </p:txBody>
+      </p:sp>
+      <p:pic>
+        <p:nvPicPr>
+          <p:cNvPr id="5" name="Content Placeholder 4">
+            <a:extLst>
+              <a:ext uri="{FF2B5EF4-FFF2-40B4-BE49-F238E27FC236}">
+                <a16:creationId xmlns:a16="http://schemas.microsoft.com/office/drawing/2014/main" id="{28782E3E-3755-894A-812F-DF358290FEDE}"/>
+              </a:ext>
+            </a:extLst>
+          </p:cNvPr>
+          <p:cNvPicPr>
+            <a:picLocks noGrp="1" noChangeAspect="1"/>
+          </p:cNvPicPr>
+          <p:nvPr>
+            <p:ph idx="1"/>
+          </p:nvPr>
+        </p:nvPicPr>
+        <p:blipFill>
+          <a:blip r:embed="rId2"/>
+          <a:stretch>
+            <a:fillRect/>
+          </a:stretch>
+        </p:blipFill>
+        <p:spPr>
+          <a:xfrm>
+            <a:off x="2972805" y="2193925"/>
+            <a:ext cx="6244910" cy="4023360"/>
+          </a:xfrm>
+        </p:spPr>
+      </p:pic>
+      <p:sp>
+        <p:nvSpPr>
+          <p:cNvPr id="7" name="TextBox 6">
+            <a:extLst>
+              <a:ext uri="{FF2B5EF4-FFF2-40B4-BE49-F238E27FC236}">
+                <a16:creationId xmlns:a16="http://schemas.microsoft.com/office/drawing/2014/main" id="{22B7C42B-56B7-4945-9000-0FE9A7C75AD9}"/>
+              </a:ext>
+            </a:extLst>
+          </p:cNvPr>
+          <p:cNvSpPr txBox="1"/>
+          <p:nvPr/>
+        </p:nvSpPr>
+        <p:spPr>
+          <a:xfrm>
+            <a:off x="7462488" y="4205605"/>
+            <a:ext cx="1523999" cy="584775"/>
+          </a:xfrm>
+          <a:prstGeom prst="rect">
+            <a:avLst/>
+          </a:prstGeom>
+          <a:noFill/>
+        </p:spPr>
+        <p:txBody>
+          <a:bodyPr wrap="square" rtlCol="0">
+            <a:spAutoFit/>
+          </a:bodyPr>
+          <a:lstStyle/>
+          <a:p>
+            <a:pPr marL="0" algn="ctr" defTabSz="457200" rtl="0" eaLnBrk="1" latinLnBrk="0" hangingPunct="1"/>
+            <a:r>
+              <a:rPr lang="en-US" sz="1600" dirty="0">
+                <a:solidFill>
+                  <a:srgbClr val="FF0000"/>
+                </a:solidFill>
+              </a:rPr>
+              <a:t>Hybrid approaches</a:t>
+            </a:r>
+          </a:p>
+        </p:txBody>
+      </p:sp>
+    </p:spTree>
+    <p:extLst>
+      <p:ext uri="{BB962C8B-B14F-4D97-AF65-F5344CB8AC3E}">
+        <p14:creationId xmlns:p14="http://schemas.microsoft.com/office/powerpoint/2010/main" val="2221413734"/>
+      </p:ext>
+    </p:extLst>
+  </p:cSld>
+  <p:clrMapOvr>
+    <a:masterClrMapping/>
+  </p:clrMapOvr>
+  <p:timing>
+    <p:tnLst>
+      <p:par>
+        <p:cTn id="1" dur="indefinite" restart="never" nodeType="tmRoot">
+          <p:childTnLst>
+            <p:seq concurrent="1" nextAc="seek">
+              <p:cTn id="2" dur="indefinite" nodeType="mainSeq">
+                <p:childTnLst>
+                  <p:par>
+                    <p:cTn id="3" fill="hold">
+                      <p:stCondLst>
+                        <p:cond delay="indefinite"/>
+                      </p:stCondLst>
+                      <p:childTnLst>
+                        <p:par>
+                          <p:cTn id="4" fill="hold">
+                            <p:stCondLst>
+                              <p:cond delay="0"/>
+                            </p:stCondLst>
+                            <p:childTnLst>
+                              <p:par>
+                                <p:cTn id="5" presetID="1" presetClass="entr" presetSubtype="0" fill="hold" grpId="0" nodeType="clickEffect">
+                                  <p:stCondLst>
+                                    <p:cond delay="0"/>
+                                  </p:stCondLst>
+                                  <p:childTnLst>
+                                    <p:set>
+                                      <p:cBhvr>
+                                        <p:cTn id="6" dur="1" fill="hold">
+                                          <p:stCondLst>
+                                            <p:cond delay="0"/>
+                                          </p:stCondLst>
+                                        </p:cTn>
+                                        <p:tgtEl>
+                                          <p:spTgt spid="7"/>
+                                        </p:tgtEl>
+                                        <p:attrNameLst>
+                                          <p:attrName>style.visibility</p:attrName>
+                                        </p:attrNameLst>
+                                      </p:cBhvr>
+                                      <p:to>
+                                        <p:strVal val="visible"/>
+                                      </p:to>
+                                    </p:set>
+                                  </p:childTnLst>
+                                </p:cTn>
+                              </p:par>
+                            </p:childTnLst>
+                          </p:cTn>
+                        </p:par>
+                      </p:childTnLst>
+                    </p:cTn>
+                  </p:par>
+                </p:childTnLst>
+              </p:cTn>
+              <p:prevCondLst>
+                <p:cond evt="onPrev" delay="0">
+                  <p:tgtEl>
+                    <p:sldTgt/>
+                  </p:tgtEl>
+                </p:cond>
+              </p:prevCondLst>
+              <p:nextCondLst>
+                <p:cond evt="onNext" delay="0">
+                  <p:tgtEl>
+                    <p:sldTgt/>
+                  </p:tgtEl>
+                </p:cond>
+              </p:nextCondLst>
+            </p:seq>
+          </p:childTnLst>
+        </p:cTn>
+      </p:par>
+    </p:tnLst>
+    <p:bldLst>
+      <p:bldP spid="7" grpId="0"/>
+    </p:bldLst>
+  </p:timing>
+</p:sld>
+</file>
+
+<file path=ppt/slides/slide11.xml><?xml version="1.0" encoding="utf-8"?>
+<p:sld xmlns:a="http://schemas.openxmlformats.org/drawingml/2006/main" xmlns:r="http://schemas.openxmlformats.org/officeDocument/2006/relationships" xmlns:p="http://schemas.openxmlformats.org/presentationml/2006/main">
+  <p:cSld>
+    <p:spTree>
+      <p:nvGrpSpPr>
+        <p:cNvPr id="1" name=""/>
+        <p:cNvGrpSpPr/>
+        <p:nvPr/>
+      </p:nvGrpSpPr>
+      <p:grpSpPr>
+        <a:xfrm>
+          <a:off x="0" y="0"/>
+          <a:ext cx="0" cy="0"/>
+          <a:chOff x="0" y="0"/>
+          <a:chExt cx="0" cy="0"/>
+        </a:xfrm>
+      </p:grpSpPr>
+      <p:sp>
+        <p:nvSpPr>
+          <p:cNvPr id="2" name="Title 1">
+            <a:extLst>
+              <a:ext uri="{FF2B5EF4-FFF2-40B4-BE49-F238E27FC236}">
+                <a16:creationId xmlns:a16="http://schemas.microsoft.com/office/drawing/2014/main" id="{6A5916E9-CB44-844A-BD38-26B3A8048161}"/>
+              </a:ext>
+            </a:extLst>
+          </p:cNvPr>
+          <p:cNvSpPr>
+            <a:spLocks noGrp="1"/>
+          </p:cNvSpPr>
+          <p:nvPr>
+            <p:ph type="title"/>
+          </p:nvPr>
+        </p:nvSpPr>
+        <p:spPr>
+          <a:xfrm>
+            <a:off x="719959" y="753863"/>
+            <a:ext cx="8610600" cy="1293028"/>
+          </a:xfrm>
+        </p:spPr>
+        <p:txBody>
+          <a:bodyPr/>
+          <a:lstStyle/>
+          <a:p>
+            <a:pPr algn="l"/>
+            <a:r>
+              <a:rPr lang="en-US" dirty="0"/>
+              <a:t>Untimed approaches</a:t>
+            </a:r>
+          </a:p>
+        </p:txBody>
+      </p:sp>
+      <p:pic>
+        <p:nvPicPr>
+          <p:cNvPr id="5" name="Content Placeholder 4">
+            <a:extLst>
+              <a:ext uri="{FF2B5EF4-FFF2-40B4-BE49-F238E27FC236}">
+                <a16:creationId xmlns:a16="http://schemas.microsoft.com/office/drawing/2014/main" id="{4E3FEEAD-178D-E846-8F5B-00E914B942A7}"/>
+              </a:ext>
+            </a:extLst>
+          </p:cNvPr>
+          <p:cNvPicPr>
+            <a:picLocks noGrp="1" noChangeAspect="1"/>
+          </p:cNvPicPr>
+          <p:nvPr>
+            <p:ph idx="1"/>
+          </p:nvPr>
+        </p:nvPicPr>
+        <p:blipFill>
+          <a:blip r:embed="rId3"/>
+          <a:stretch>
+            <a:fillRect/>
+          </a:stretch>
+        </p:blipFill>
+        <p:spPr>
+          <a:xfrm>
+            <a:off x="3854818" y="2193925"/>
+            <a:ext cx="4482364" cy="4024313"/>
+          </a:xfrm>
+        </p:spPr>
+      </p:pic>
+    </p:spTree>
+    <p:extLst>
+      <p:ext uri="{BB962C8B-B14F-4D97-AF65-F5344CB8AC3E}">
+        <p14:creationId xmlns:p14="http://schemas.microsoft.com/office/powerpoint/2010/main" val="1173615674"/>
+      </p:ext>
+    </p:extLst>
+  </p:cSld>
+  <p:clrMapOvr>
+    <a:masterClrMapping/>
+  </p:clrMapOvr>
+</p:sld>
+</file>
+
+<file path=ppt/slides/slide12.xml><?xml version="1.0" encoding="utf-8"?>
+<p:sld xmlns:a="http://schemas.openxmlformats.org/drawingml/2006/main" xmlns:r="http://schemas.openxmlformats.org/officeDocument/2006/relationships" xmlns:p="http://schemas.openxmlformats.org/presentationml/2006/main">
+  <p:cSld>
+    <p:spTree>
+      <p:nvGrpSpPr>
+        <p:cNvPr id="1" name=""/>
+        <p:cNvGrpSpPr/>
+        <p:nvPr/>
+      </p:nvGrpSpPr>
+      <p:grpSpPr>
+        <a:xfrm>
+          <a:off x="0" y="0"/>
+          <a:ext cx="0" cy="0"/>
+          <a:chOff x="0" y="0"/>
+          <a:chExt cx="0" cy="0"/>
+        </a:xfrm>
+      </p:grpSpPr>
+      <p:sp>
+        <p:nvSpPr>
+          <p:cNvPr id="2" name="Title 1">
+            <a:extLst>
+              <a:ext uri="{FF2B5EF4-FFF2-40B4-BE49-F238E27FC236}">
+                <a16:creationId xmlns:a16="http://schemas.microsoft.com/office/drawing/2014/main" id="{8BC66C02-C29E-4B45-8A71-4B53DF117C89}"/>
+              </a:ext>
+            </a:extLst>
+          </p:cNvPr>
+          <p:cNvSpPr>
+            <a:spLocks noGrp="1"/>
+          </p:cNvSpPr>
+          <p:nvPr>
+            <p:ph type="title"/>
+          </p:nvPr>
+        </p:nvSpPr>
+        <p:spPr>
+          <a:xfrm>
+            <a:off x="685800" y="743352"/>
+            <a:ext cx="8610600" cy="1293028"/>
+          </a:xfrm>
+        </p:spPr>
+        <p:txBody>
+          <a:bodyPr/>
+          <a:lstStyle/>
+          <a:p>
+            <a:pPr algn="l"/>
+            <a:r>
+              <a:rPr lang="en-US" dirty="0"/>
+              <a:t>A hybrid approach</a:t>
+            </a:r>
+          </a:p>
+        </p:txBody>
+      </p:sp>
+      <p:pic>
+        <p:nvPicPr>
+          <p:cNvPr id="5" name="Content Placeholder 4">
+            <a:extLst>
+              <a:ext uri="{FF2B5EF4-FFF2-40B4-BE49-F238E27FC236}">
+                <a16:creationId xmlns:a16="http://schemas.microsoft.com/office/drawing/2014/main" id="{6AB91A8E-1A37-0A41-AA09-A503564625A5}"/>
+              </a:ext>
+            </a:extLst>
+          </p:cNvPr>
+          <p:cNvPicPr>
+            <a:picLocks noGrp="1" noChangeAspect="1"/>
+          </p:cNvPicPr>
+          <p:nvPr>
+            <p:ph idx="1"/>
+          </p:nvPr>
+        </p:nvPicPr>
+        <p:blipFill>
+          <a:blip r:embed="rId2"/>
+          <a:stretch>
+            <a:fillRect/>
+          </a:stretch>
+        </p:blipFill>
+        <p:spPr>
+          <a:xfrm>
+            <a:off x="3557754" y="2193925"/>
+            <a:ext cx="5076491" cy="4024313"/>
+          </a:xfrm>
+        </p:spPr>
+      </p:pic>
+    </p:spTree>
+    <p:extLst>
+      <p:ext uri="{BB962C8B-B14F-4D97-AF65-F5344CB8AC3E}">
+        <p14:creationId xmlns:p14="http://schemas.microsoft.com/office/powerpoint/2010/main" val="243591670"/>
       </p:ext>
     </p:extLst>
   </p:cSld>
@@ -5905,13 +6960,8 @@
             <a:pPr lvl="1"/>
             <a:r>
               <a:rPr lang="en-US" dirty="0"/>
-              <a:t>no </a:t>
-            </a:r>
-            <a:r>
-              <a:rPr lang="en-US"/>
-              <a:t>packet losses </a:t>
-            </a:r>
-            <a:endParaRPr lang="en-US" dirty="0"/>
+              <a:t>No forwarding loop</a:t>
+            </a:r>
           </a:p>
           <a:p>
             <a:pPr lvl="1"/>
@@ -5921,6 +6971,16 @@
             </a:r>
           </a:p>
           <a:p>
+            <a:pPr lvl="1"/>
+            <a:r>
+              <a:rPr lang="en-US" dirty="0"/>
+              <a:t>Simple implementation </a:t>
+            </a:r>
+          </a:p>
+          <a:p>
+            <a:pPr marL="0" indent="0">
+              <a:buNone/>
+            </a:pPr>
             <a:r>
               <a:rPr lang="en-US" dirty="0"/>
               <a:t>Disadvantages </a:t>
@@ -5992,7 +7052,7 @@
           <p:cNvPr id="2" name="Title 1">
             <a:extLst>
               <a:ext uri="{FF2B5EF4-FFF2-40B4-BE49-F238E27FC236}">
-                <a16:creationId xmlns:a16="http://schemas.microsoft.com/office/drawing/2014/main" id="{29D7AADE-3287-B346-9DC7-49B9464F8996}"/>
+                <a16:creationId xmlns:a16="http://schemas.microsoft.com/office/drawing/2014/main" id="{575F879E-308F-624E-BEE5-96A3CC71C6CB}"/>
               </a:ext>
             </a:extLst>
           </p:cNvPr>
@@ -6005,7 +7065,7 @@
         </p:nvSpPr>
         <p:spPr>
           <a:xfrm>
-            <a:off x="685800" y="795904"/>
+            <a:off x="712076" y="795904"/>
             <a:ext cx="8610600" cy="1293028"/>
           </a:xfrm>
         </p:spPr>
@@ -6016,7 +7076,7 @@
             <a:pPr algn="l"/>
             <a:r>
               <a:rPr lang="en-US" dirty="0"/>
-              <a:t>time4</a:t>
+              <a:t>SWAN &amp; B4</a:t>
             </a:r>
           </a:p>
         </p:txBody>
@@ -6026,7 +7086,7 @@
           <p:cNvPr id="3" name="Content Placeholder 2">
             <a:extLst>
               <a:ext uri="{FF2B5EF4-FFF2-40B4-BE49-F238E27FC236}">
-                <a16:creationId xmlns:a16="http://schemas.microsoft.com/office/drawing/2014/main" id="{396D7F01-742F-B548-A451-13B0FBA4CAA7}"/>
+                <a16:creationId xmlns:a16="http://schemas.microsoft.com/office/drawing/2014/main" id="{A1694453-F590-1C46-B461-8E2CA56044A4}"/>
               </a:ext>
             </a:extLst>
           </p:cNvPr>
@@ -6044,54 +7104,21 @@
           <a:p>
             <a:r>
               <a:rPr lang="en-US" dirty="0"/>
-              <a:t>This paper presents a class of update scenarios in which prior update methods are suboptimal.</a:t>
+              <a:t>SWAN suggests to Reserve about 10-30% of link capacity to allow congestion-free updates.</a:t>
             </a:r>
           </a:p>
           <a:p>
             <a:r>
               <a:rPr lang="en-US" dirty="0"/>
-              <a:t>PTP(Precision Time Protocol) can synchronize clocks on the order of 1 microseconds .</a:t>
-            </a:r>
-          </a:p>
-          <a:p>
-            <a:r>
-              <a:rPr lang="en-US" dirty="0"/>
-              <a:t>TIME4 is an update approach that performs multiple changes at different switches at the same time.</a:t>
-            </a:r>
-          </a:p>
-          <a:p>
-            <a:r>
-              <a:rPr lang="en-US" b="1" dirty="0"/>
-              <a:t>Accuracy</a:t>
-            </a:r>
-            <a:r>
-              <a:rPr lang="en-US" dirty="0"/>
-              <a:t> :updates are performed in </a:t>
-            </a:r>
-            <a:r>
-              <a:rPr lang="en-US"/>
-              <a:t>short interarrival </a:t>
-            </a:r>
-            <a:endParaRPr lang="en-US" dirty="0"/>
-          </a:p>
-          <a:p>
-            <a:endParaRPr lang="en-US" dirty="0"/>
-          </a:p>
-          <a:p>
-            <a:endParaRPr lang="en-US" dirty="0"/>
-          </a:p>
-          <a:p>
-            <a:endParaRPr lang="en-US" dirty="0"/>
-          </a:p>
-          <a:p>
-            <a:endParaRPr lang="en-US" dirty="0"/>
+              <a:t>B4 suggests to reduced bandwidth of some or all of the flows during network update which results to fewer packet loss.</a:t>
+            </a:r>
           </a:p>
         </p:txBody>
       </p:sp>
     </p:spTree>
     <p:extLst>
       <p:ext uri="{BB962C8B-B14F-4D97-AF65-F5344CB8AC3E}">
-        <p14:creationId xmlns:p14="http://schemas.microsoft.com/office/powerpoint/2010/main" val="2787275926"/>
+        <p14:creationId xmlns:p14="http://schemas.microsoft.com/office/powerpoint/2010/main" val="1670291754"/>
       </p:ext>
     </p:extLst>
   </p:cSld>
@@ -6120,6 +7147,152 @@
       </p:grpSpPr>
       <p:sp>
         <p:nvSpPr>
+          <p:cNvPr id="2" name="Title 1">
+            <a:extLst>
+              <a:ext uri="{FF2B5EF4-FFF2-40B4-BE49-F238E27FC236}">
+                <a16:creationId xmlns:a16="http://schemas.microsoft.com/office/drawing/2014/main" id="{29D7AADE-3287-B346-9DC7-49B9464F8996}"/>
+              </a:ext>
+            </a:extLst>
+          </p:cNvPr>
+          <p:cNvSpPr>
+            <a:spLocks noGrp="1"/>
+          </p:cNvSpPr>
+          <p:nvPr>
+            <p:ph type="title"/>
+          </p:nvPr>
+        </p:nvSpPr>
+        <p:spPr>
+          <a:xfrm>
+            <a:off x="685800" y="795904"/>
+            <a:ext cx="8610600" cy="1293028"/>
+          </a:xfrm>
+        </p:spPr>
+        <p:txBody>
+          <a:bodyPr/>
+          <a:lstStyle/>
+          <a:p>
+            <a:pPr algn="l"/>
+            <a:r>
+              <a:rPr lang="en-US" dirty="0"/>
+              <a:t>time4</a:t>
+            </a:r>
+          </a:p>
+        </p:txBody>
+      </p:sp>
+      <p:sp>
+        <p:nvSpPr>
+          <p:cNvPr id="3" name="Content Placeholder 2">
+            <a:extLst>
+              <a:ext uri="{FF2B5EF4-FFF2-40B4-BE49-F238E27FC236}">
+                <a16:creationId xmlns:a16="http://schemas.microsoft.com/office/drawing/2014/main" id="{396D7F01-742F-B548-A451-13B0FBA4CAA7}"/>
+              </a:ext>
+            </a:extLst>
+          </p:cNvPr>
+          <p:cNvSpPr>
+            <a:spLocks noGrp="1"/>
+          </p:cNvSpPr>
+          <p:nvPr>
+            <p:ph idx="1"/>
+          </p:nvPr>
+        </p:nvSpPr>
+        <p:spPr/>
+        <p:txBody>
+          <a:bodyPr/>
+          <a:lstStyle/>
+          <a:p>
+            <a:r>
+              <a:rPr lang="en-US" dirty="0"/>
+              <a:t>Time4 is an update approach that performs multiple changes at different switches at the same time</a:t>
+            </a:r>
+          </a:p>
+          <a:p>
+            <a:r>
+              <a:rPr lang="en-US" dirty="0"/>
+              <a:t>This paper presents a class of update scenarios in which prior update methods are suboptimal.</a:t>
+            </a:r>
+          </a:p>
+          <a:p>
+            <a:r>
+              <a:rPr lang="en-US" dirty="0"/>
+              <a:t>PTP(Precision Time Protocol) can synchronize clocks on the order of 1 microseconds .</a:t>
+            </a:r>
+          </a:p>
+          <a:p>
+            <a:r>
+              <a:rPr lang="en-US" dirty="0"/>
+              <a:t>TIME4 is an update approach that performs multiple changes at different switches at the same time.</a:t>
+            </a:r>
+          </a:p>
+          <a:p>
+            <a:r>
+              <a:rPr lang="en-US" b="1" dirty="0"/>
+              <a:t>Accuracy</a:t>
+            </a:r>
+            <a:r>
+              <a:rPr lang="en-US" dirty="0"/>
+              <a:t>: scheduling error affected by</a:t>
+            </a:r>
+          </a:p>
+          <a:p>
+            <a:pPr lvl="1"/>
+            <a:r>
+              <a:rPr lang="en-US" dirty="0"/>
+              <a:t>Clock accuracy </a:t>
+            </a:r>
+          </a:p>
+          <a:p>
+            <a:pPr lvl="1"/>
+            <a:r>
+              <a:rPr lang="en-US" dirty="0"/>
+              <a:t>Execution accuracy  </a:t>
+            </a:r>
+          </a:p>
+          <a:p>
+            <a:endParaRPr lang="en-US" dirty="0"/>
+          </a:p>
+          <a:p>
+            <a:endParaRPr lang="en-US" dirty="0"/>
+          </a:p>
+          <a:p>
+            <a:endParaRPr lang="en-US" dirty="0"/>
+          </a:p>
+          <a:p>
+            <a:endParaRPr lang="en-US" dirty="0"/>
+          </a:p>
+        </p:txBody>
+      </p:sp>
+    </p:spTree>
+    <p:extLst>
+      <p:ext uri="{BB962C8B-B14F-4D97-AF65-F5344CB8AC3E}">
+        <p14:creationId xmlns:p14="http://schemas.microsoft.com/office/powerpoint/2010/main" val="2787275926"/>
+      </p:ext>
+    </p:extLst>
+  </p:cSld>
+  <p:clrMapOvr>
+    <a:masterClrMapping/>
+  </p:clrMapOvr>
+</p:sld>
+</file>
+
+<file path=ppt/slides/slide5.xml><?xml version="1.0" encoding="utf-8"?>
+<p:sld xmlns:a="http://schemas.openxmlformats.org/drawingml/2006/main" xmlns:r="http://schemas.openxmlformats.org/officeDocument/2006/relationships" xmlns:p="http://schemas.openxmlformats.org/presentationml/2006/main" show="0">
+  <p:cSld>
+    <p:spTree>
+      <p:nvGrpSpPr>
+        <p:cNvPr id="1" name=""/>
+        <p:cNvGrpSpPr/>
+        <p:nvPr/>
+      </p:nvGrpSpPr>
+      <p:grpSpPr>
+        <a:xfrm>
+          <a:off x="0" y="0"/>
+          <a:ext cx="0" cy="0"/>
+          <a:chOff x="0" y="0"/>
+          <a:chExt cx="0" cy="0"/>
+        </a:xfrm>
+      </p:grpSpPr>
+      <p:sp>
+        <p:nvSpPr>
           <p:cNvPr id="3" name="Content Placeholder 2">
             <a:extLst>
               <a:ext uri="{FF2B5EF4-FFF2-40B4-BE49-F238E27FC236}">
@@ -6239,7 +7412,7 @@
 </p:sld>
 </file>
 
-<file path=ppt/slides/slide5.xml><?xml version="1.0" encoding="utf-8"?>
+<file path=ppt/slides/slide6.xml><?xml version="1.0" encoding="utf-8"?>
 <p:sld xmlns:a="http://schemas.openxmlformats.org/drawingml/2006/main" xmlns:r="http://schemas.openxmlformats.org/officeDocument/2006/relationships" xmlns:p="http://schemas.openxmlformats.org/presentationml/2006/main">
   <p:cSld>
     <p:spTree>
@@ -6272,12 +7445,21 @@
             <p:ph type="title"/>
           </p:nvPr>
         </p:nvSpPr>
-        <p:spPr/>
-        <p:txBody>
-          <a:bodyPr/>
-          <a:lstStyle/>
-          <a:p>
-            <a:endParaRPr lang="en-US"/>
+        <p:spPr>
+          <a:xfrm>
+            <a:off x="685800" y="816925"/>
+            <a:ext cx="8610600" cy="1293028"/>
+          </a:xfrm>
+        </p:spPr>
+        <p:txBody>
+          <a:bodyPr/>
+          <a:lstStyle/>
+          <a:p>
+            <a:pPr algn="l"/>
+            <a:r>
+              <a:rPr lang="en-US" dirty="0"/>
+              <a:t>Model and Definitions</a:t>
+            </a:r>
           </a:p>
         </p:txBody>
       </p:sp>
@@ -6302,7 +7484,71 @@
           <a:bodyPr/>
           <a:lstStyle/>
           <a:p>
-            <a:endParaRPr lang="en-US"/>
+            <a:r>
+              <a:rPr lang="en-US" dirty="0"/>
+              <a:t>Traffic generates from source </a:t>
+            </a:r>
+            <a:r>
+              <a:rPr lang="en-US" i="1" dirty="0"/>
+              <a:t>s </a:t>
+            </a:r>
+            <a:r>
+              <a:rPr lang="en-US" dirty="0"/>
+              <a:t>destination </a:t>
+            </a:r>
+            <a:r>
+              <a:rPr lang="en-US" i="1" dirty="0"/>
+              <a:t>d</a:t>
+            </a:r>
+            <a:r>
+              <a:rPr lang="en-US" dirty="0"/>
+              <a:t> , in a directed graph </a:t>
+            </a:r>
+          </a:p>
+          <a:p>
+            <a:r>
+              <a:rPr lang="en-US" dirty="0"/>
+              <a:t>Goal is to maximize traffic rate from </a:t>
+            </a:r>
+            <a:r>
+              <a:rPr lang="en-US" i="1" dirty="0"/>
+              <a:t>s </a:t>
+            </a:r>
+            <a:r>
+              <a:rPr lang="en-US" dirty="0"/>
+              <a:t>to </a:t>
+            </a:r>
+            <a:r>
+              <a:rPr lang="en-US" i="1" dirty="0"/>
+              <a:t>d.</a:t>
+            </a:r>
+          </a:p>
+          <a:p>
+            <a:r>
+              <a:rPr lang="en-US" dirty="0"/>
+              <a:t>Problem modeled as a game between source and controller.</a:t>
+            </a:r>
+          </a:p>
+          <a:p>
+            <a:r>
+              <a:rPr lang="en-US" dirty="0"/>
+              <a:t>Theorem 1: source has a strategy that forces the controller to perform a flow swap.</a:t>
+            </a:r>
+          </a:p>
+          <a:p>
+            <a:r>
+              <a:rPr lang="en-US" dirty="0"/>
+              <a:t>The controller’s goal is to find a forwarding path for all the flows in the system without exceeding the capacity of any of the edges, i.e., to completely avoid loss of packets from the given flows.</a:t>
+            </a:r>
+          </a:p>
+          <a:p>
+            <a:r>
+              <a:rPr lang="en-US" dirty="0"/>
+              <a:t>The source’s goal is to progressively add flows, without exceeding the network’s capacity, forcing the controller to perform a flow swap</a:t>
+            </a:r>
+          </a:p>
+          <a:p>
+            <a:endParaRPr lang="en-US" dirty="0"/>
           </a:p>
         </p:txBody>
       </p:sp>
@@ -6310,6 +7556,434 @@
     <p:extLst>
       <p:ext uri="{BB962C8B-B14F-4D97-AF65-F5344CB8AC3E}">
         <p14:creationId xmlns:p14="http://schemas.microsoft.com/office/powerpoint/2010/main" val="2954731872"/>
+      </p:ext>
+    </p:extLst>
+  </p:cSld>
+  <p:clrMapOvr>
+    <a:masterClrMapping/>
+  </p:clrMapOvr>
+</p:sld>
+</file>
+
+<file path=ppt/slides/slide7.xml><?xml version="1.0" encoding="utf-8"?>
+<p:sld xmlns:a="http://schemas.openxmlformats.org/drawingml/2006/main" xmlns:r="http://schemas.openxmlformats.org/officeDocument/2006/relationships" xmlns:p="http://schemas.openxmlformats.org/presentationml/2006/main">
+  <p:cSld>
+    <p:spTree>
+      <p:nvGrpSpPr>
+        <p:cNvPr id="1" name=""/>
+        <p:cNvGrpSpPr/>
+        <p:nvPr/>
+      </p:nvGrpSpPr>
+      <p:grpSpPr>
+        <a:xfrm>
+          <a:off x="0" y="0"/>
+          <a:ext cx="0" cy="0"/>
+          <a:chOff x="0" y="0"/>
+          <a:chExt cx="0" cy="0"/>
+        </a:xfrm>
+      </p:grpSpPr>
+      <p:sp>
+        <p:nvSpPr>
+          <p:cNvPr id="3" name="Content Placeholder 2">
+            <a:extLst>
+              <a:ext uri="{FF2B5EF4-FFF2-40B4-BE49-F238E27FC236}">
+                <a16:creationId xmlns:a16="http://schemas.microsoft.com/office/drawing/2014/main" id="{3A279074-A5A1-604B-B7AA-CC4CAAEB3D44}"/>
+              </a:ext>
+            </a:extLst>
+          </p:cNvPr>
+          <p:cNvSpPr>
+            <a:spLocks noGrp="1"/>
+          </p:cNvSpPr>
+          <p:nvPr>
+            <p:ph idx="1"/>
+          </p:nvPr>
+        </p:nvSpPr>
+        <p:spPr>
+          <a:xfrm>
+            <a:off x="451945" y="1608084"/>
+            <a:ext cx="11246069" cy="4610602"/>
+          </a:xfrm>
+        </p:spPr>
+        <p:txBody>
+          <a:bodyPr/>
+          <a:lstStyle/>
+          <a:p>
+            <a:r>
+              <a:rPr lang="en-US" dirty="0"/>
+              <a:t>The network is represented by a directed weighted acyclic graph :G = (V, E, c)</a:t>
+            </a:r>
+          </a:p>
+          <a:p>
+            <a:r>
+              <a:rPr lang="en-US" dirty="0"/>
+              <a:t>V: set of vertices </a:t>
+            </a:r>
+          </a:p>
+          <a:p>
+            <a:r>
+              <a:rPr lang="en-US" dirty="0"/>
+              <a:t>E : set of edges</a:t>
+            </a:r>
+          </a:p>
+          <a:p>
+            <a:r>
+              <a:rPr lang="en-US" dirty="0"/>
+              <a:t>C = set of links capacity </a:t>
+            </a:r>
+          </a:p>
+          <a:p>
+            <a:pPr marL="0" indent="0">
+              <a:buNone/>
+            </a:pPr>
+            <a:r>
+              <a:rPr lang="en-US" dirty="0"/>
+              <a:t>If C=1 of all links : G is referred to as an LFA graph.</a:t>
+            </a:r>
+          </a:p>
+        </p:txBody>
+      </p:sp>
+    </p:spTree>
+    <p:extLst>
+      <p:ext uri="{BB962C8B-B14F-4D97-AF65-F5344CB8AC3E}">
+        <p14:creationId xmlns:p14="http://schemas.microsoft.com/office/powerpoint/2010/main" val="1725502224"/>
+      </p:ext>
+    </p:extLst>
+  </p:cSld>
+  <p:clrMapOvr>
+    <a:masterClrMapping/>
+  </p:clrMapOvr>
+</p:sld>
+</file>
+
+<file path=ppt/slides/slide8.xml><?xml version="1.0" encoding="utf-8"?>
+<p:sld xmlns:a="http://schemas.openxmlformats.org/drawingml/2006/main" xmlns:r="http://schemas.openxmlformats.org/officeDocument/2006/relationships" xmlns:p="http://schemas.openxmlformats.org/presentationml/2006/main">
+  <p:cSld>
+    <p:spTree>
+      <p:nvGrpSpPr>
+        <p:cNvPr id="1" name=""/>
+        <p:cNvGrpSpPr/>
+        <p:nvPr/>
+      </p:nvGrpSpPr>
+      <p:grpSpPr>
+        <a:xfrm>
+          <a:off x="0" y="0"/>
+          <a:ext cx="0" cy="0"/>
+          <a:chOff x="0" y="0"/>
+          <a:chExt cx="0" cy="0"/>
+        </a:xfrm>
+      </p:grpSpPr>
+      <p:sp>
+        <p:nvSpPr>
+          <p:cNvPr id="3" name="Content Placeholder 2">
+            <a:extLst>
+              <a:ext uri="{FF2B5EF4-FFF2-40B4-BE49-F238E27FC236}">
+                <a16:creationId xmlns:a16="http://schemas.microsoft.com/office/drawing/2014/main" id="{3758148A-0DC3-884E-A333-E7520191F736}"/>
+              </a:ext>
+            </a:extLst>
+          </p:cNvPr>
+          <p:cNvSpPr>
+            <a:spLocks noGrp="1"/>
+          </p:cNvSpPr>
+          <p:nvPr>
+            <p:ph idx="1"/>
+          </p:nvPr>
+        </p:nvSpPr>
+        <p:spPr>
+          <a:xfrm>
+            <a:off x="685800" y="1387366"/>
+            <a:ext cx="10820400" cy="4831319"/>
+          </a:xfrm>
+        </p:spPr>
+        <p:txBody>
+          <a:bodyPr/>
+          <a:lstStyle/>
+          <a:p>
+            <a:r>
+              <a:rPr lang="en-US" dirty="0"/>
+              <a:t>Basic Assumptions :</a:t>
+            </a:r>
+          </a:p>
+          <a:p>
+            <a:pPr lvl="1"/>
+            <a:r>
+              <a:rPr lang="en-US" dirty="0"/>
+              <a:t>Each flow has a fixed bandwidth.</a:t>
+            </a:r>
+          </a:p>
+          <a:p>
+            <a:pPr lvl="1"/>
+            <a:r>
+              <a:rPr lang="en-US" dirty="0"/>
+              <a:t>The controller strives to avoid packet loss</a:t>
+            </a:r>
+          </a:p>
+          <a:p>
+            <a:pPr lvl="1"/>
+            <a:r>
+              <a:rPr lang="en-US" dirty="0"/>
+              <a:t>Flows are unsplit table </a:t>
+            </a:r>
+          </a:p>
+          <a:p>
+            <a:pPr marL="0" indent="0">
+              <a:buNone/>
+            </a:pPr>
+            <a:endParaRPr lang="en-US" dirty="0"/>
+          </a:p>
+          <a:p>
+            <a:pPr marL="0" indent="0">
+              <a:buNone/>
+            </a:pPr>
+            <a:endParaRPr lang="en-US" dirty="0"/>
+          </a:p>
+          <a:p>
+            <a:endParaRPr lang="en-US" dirty="0"/>
+          </a:p>
+        </p:txBody>
+      </p:sp>
+    </p:spTree>
+    <p:extLst>
+      <p:ext uri="{BB962C8B-B14F-4D97-AF65-F5344CB8AC3E}">
+        <p14:creationId xmlns:p14="http://schemas.microsoft.com/office/powerpoint/2010/main" val="3179012247"/>
+      </p:ext>
+    </p:extLst>
+  </p:cSld>
+  <p:clrMapOvr>
+    <a:masterClrMapping/>
+  </p:clrMapOvr>
+</p:sld>
+</file>
+
+<file path=ppt/slides/slide9.xml><?xml version="1.0" encoding="utf-8"?>
+<p:sld xmlns:a="http://schemas.openxmlformats.org/drawingml/2006/main" xmlns:r="http://schemas.openxmlformats.org/officeDocument/2006/relationships" xmlns:p="http://schemas.openxmlformats.org/presentationml/2006/main">
+  <p:cSld>
+    <p:spTree>
+      <p:nvGrpSpPr>
+        <p:cNvPr id="1" name=""/>
+        <p:cNvGrpSpPr/>
+        <p:nvPr/>
+      </p:nvGrpSpPr>
+      <p:grpSpPr>
+        <a:xfrm>
+          <a:off x="0" y="0"/>
+          <a:ext cx="0" cy="0"/>
+          <a:chOff x="0" y="0"/>
+          <a:chExt cx="0" cy="0"/>
+        </a:xfrm>
+      </p:grpSpPr>
+      <p:sp>
+        <p:nvSpPr>
+          <p:cNvPr id="2" name="Title 1">
+            <a:extLst>
+              <a:ext uri="{FF2B5EF4-FFF2-40B4-BE49-F238E27FC236}">
+                <a16:creationId xmlns:a16="http://schemas.microsoft.com/office/drawing/2014/main" id="{FD6A151B-8C05-7B46-B5FC-959A2AEA698A}"/>
+              </a:ext>
+            </a:extLst>
+          </p:cNvPr>
+          <p:cNvSpPr>
+            <a:spLocks noGrp="1"/>
+          </p:cNvSpPr>
+          <p:nvPr>
+            <p:ph type="title"/>
+          </p:nvPr>
+        </p:nvSpPr>
+        <p:spPr>
+          <a:xfrm>
+            <a:off x="685800" y="806414"/>
+            <a:ext cx="8610600" cy="1293028"/>
+          </a:xfrm>
+        </p:spPr>
+        <p:txBody>
+          <a:bodyPr/>
+          <a:lstStyle/>
+          <a:p>
+            <a:pPr algn="l"/>
+            <a:r>
+              <a:rPr lang="en-US" dirty="0"/>
+              <a:t>EVALUATION</a:t>
+            </a:r>
+          </a:p>
+        </p:txBody>
+      </p:sp>
+      <mc:AlternateContent xmlns:mc="http://schemas.openxmlformats.org/markup-compatibility/2006">
+        <mc:Choice xmlns:a14="http://schemas.microsoft.com/office/drawing/2010/main" Requires="a14">
+          <p:sp>
+            <p:nvSpPr>
+              <p:cNvPr id="3" name="Content Placeholder 2">
+                <a:extLst>
+                  <a:ext uri="{FF2B5EF4-FFF2-40B4-BE49-F238E27FC236}">
+                    <a16:creationId xmlns:a16="http://schemas.microsoft.com/office/drawing/2014/main" id="{D9CD0592-808A-E146-AABC-396759AFFF60}"/>
+                  </a:ext>
+                </a:extLst>
+              </p:cNvPr>
+              <p:cNvSpPr>
+                <a:spLocks noGrp="1"/>
+              </p:cNvSpPr>
+              <p:nvPr>
+                <p:ph idx="1"/>
+              </p:nvPr>
+            </p:nvSpPr>
+            <p:spPr/>
+            <p:txBody>
+              <a:bodyPr>
+                <a:normAutofit fontScale="92500" lnSpcReduction="10000"/>
+              </a:bodyPr>
+              <a:lstStyle/>
+              <a:p>
+                <a:r>
+                  <a:rPr lang="en-US" dirty="0"/>
+                  <a:t>Environment properties</a:t>
+                </a:r>
+              </a:p>
+              <a:p>
+                <a:pPr lvl="1"/>
+                <a:r>
+                  <a:rPr lang="en-US" dirty="0"/>
+                  <a:t>71-node testbed</a:t>
+                </a:r>
+              </a:p>
+              <a:p>
+                <a:pPr lvl="1"/>
+                <a:r>
+                  <a:rPr lang="en-US" dirty="0"/>
+                  <a:t>Each machine is a TIMe4-enabled switch or a host</a:t>
+                </a:r>
+              </a:p>
+              <a:p>
+                <a:pPr lvl="1"/>
+                <a:r>
+                  <a:rPr lang="en-US" dirty="0"/>
+                  <a:t>A separate machine used as a controller </a:t>
+                </a:r>
+              </a:p>
+              <a:p>
+                <a:r>
+                  <a:rPr lang="en-US" dirty="0"/>
+                  <a:t>Performance metrics :</a:t>
+                </a:r>
+              </a:p>
+              <a:p>
+                <a:pPr lvl="1"/>
+                <a:r>
+                  <a:rPr lang="en-US" dirty="0"/>
+                  <a:t>∆  : The average time elapsed between two consecutive messages sent by the controller. varies from 1 microseconds to several milliseconds</a:t>
+                </a:r>
+              </a:p>
+              <a:p>
+                <a:pPr lvl="1"/>
+                <a14:m>
+                  <m:oMath xmlns:m="http://schemas.openxmlformats.org/officeDocument/2006/math">
+                    <m:sSub>
+                      <m:sSubPr>
+                        <m:ctrlPr>
+                          <a:rPr lang="en-US" i="1" smtClean="0">
+                            <a:latin typeface="Cambria Math" panose="02040503050406030204" pitchFamily="18" charset="0"/>
+                          </a:rPr>
+                        </m:ctrlPr>
+                      </m:sSubPr>
+                      <m:e>
+                        <m:r>
+                          <a:rPr lang="en-US" b="0" i="1" smtClean="0">
+                            <a:latin typeface="Cambria Math" panose="02040503050406030204" pitchFamily="18" charset="0"/>
+                          </a:rPr>
+                          <m:t>𝐼</m:t>
+                        </m:r>
+                      </m:e>
+                      <m:sub>
+                        <m:r>
+                          <a:rPr lang="en-US" b="0" i="1" smtClean="0">
+                            <a:latin typeface="Cambria Math" panose="02040503050406030204" pitchFamily="18" charset="0"/>
+                          </a:rPr>
+                          <m:t>𝑅</m:t>
+                        </m:r>
+                      </m:sub>
+                    </m:sSub>
+                  </m:oMath>
+                </a14:m>
+                <a:r>
+                  <a:rPr lang="en-US" dirty="0"/>
+                  <a:t>: max {installation latency} – min{installation latency}</a:t>
+                </a:r>
+              </a:p>
+              <a:p>
+                <a:pPr lvl="1"/>
+                <a:r>
+                  <a:rPr lang="el-GR" dirty="0"/>
+                  <a:t>δ </a:t>
+                </a:r>
+                <a:r>
+                  <a:rPr lang="en-US" dirty="0"/>
+                  <a:t>: max {actual update time – scheduled update time}.</a:t>
+                </a:r>
+              </a:p>
+              <a:p>
+                <a:r>
+                  <a:rPr lang="en-US" dirty="0"/>
+                  <a:t>No deep buffering </a:t>
+                </a:r>
+              </a:p>
+              <a:p>
+                <a:r>
+                  <a:rPr lang="en-US" dirty="0"/>
+                  <a:t>Performance metric : packet loss</a:t>
+                </a:r>
+              </a:p>
+              <a:p>
+                <a:r>
+                  <a:rPr lang="en-US" dirty="0"/>
+                  <a:t>Untimed methods are Previous approached like two-phase and ordered.</a:t>
+                </a:r>
+              </a:p>
+              <a:p>
+                <a:endParaRPr lang="en-US" dirty="0"/>
+              </a:p>
+            </p:txBody>
+          </p:sp>
+        </mc:Choice>
+        <mc:Fallback>
+          <p:sp>
+            <p:nvSpPr>
+              <p:cNvPr id="3" name="Content Placeholder 2">
+                <a:extLst>
+                  <a:ext uri="{FF2B5EF4-FFF2-40B4-BE49-F238E27FC236}">
+                    <a16:creationId xmlns:a16="http://schemas.microsoft.com/office/drawing/2014/main" id="{D9CD0592-808A-E146-AABC-396759AFFF60}"/>
+                  </a:ext>
+                </a:extLst>
+              </p:cNvPr>
+              <p:cNvSpPr>
+                <a:spLocks noGrp="1" noRot="1" noChangeAspect="1" noMove="1" noResize="1" noEditPoints="1" noAdjustHandles="1" noChangeArrowheads="1" noChangeShapeType="1" noTextEdit="1"/>
+              </p:cNvSpPr>
+              <p:nvPr>
+                <p:ph idx="1"/>
+              </p:nvPr>
+            </p:nvSpPr>
+            <p:spPr>
+              <a:blipFill>
+                <a:blip r:embed="rId2"/>
+                <a:stretch>
+                  <a:fillRect l="-587" t="-2208"/>
+                </a:stretch>
+              </a:blipFill>
+            </p:spPr>
+            <p:txBody>
+              <a:bodyPr/>
+              <a:lstStyle/>
+              <a:p>
+                <a:r>
+                  <a:rPr lang="en-US">
+                    <a:noFill/>
+                  </a:rPr>
+                  <a:t> </a:t>
+                </a:r>
+              </a:p>
+            </p:txBody>
+          </p:sp>
+        </mc:Fallback>
+      </mc:AlternateContent>
+    </p:spTree>
+    <p:extLst>
+      <p:ext uri="{BB962C8B-B14F-4D97-AF65-F5344CB8AC3E}">
+        <p14:creationId xmlns:p14="http://schemas.microsoft.com/office/powerpoint/2010/main" val="1859063477"/>
       </p:ext>
     </p:extLst>
   </p:cSld>
@@ -6587,4 +8261,299 @@
     </a:ext>
   </a:extLst>
 </a:theme>
+</file>
+
+<file path=ppt/theme/theme2.xml><?xml version="1.0" encoding="utf-8"?>
+<a:theme xmlns:a="http://schemas.openxmlformats.org/drawingml/2006/main" name="Office Theme">
+  <a:themeElements>
+    <a:clrScheme name="Office">
+      <a:dk1>
+        <a:sysClr val="windowText" lastClr="000000"/>
+      </a:dk1>
+      <a:lt1>
+        <a:sysClr val="window" lastClr="FFFFFF"/>
+      </a:lt1>
+      <a:dk2>
+        <a:srgbClr val="44546A"/>
+      </a:dk2>
+      <a:lt2>
+        <a:srgbClr val="E7E6E6"/>
+      </a:lt2>
+      <a:accent1>
+        <a:srgbClr val="4472C4"/>
+      </a:accent1>
+      <a:accent2>
+        <a:srgbClr val="ED7D31"/>
+      </a:accent2>
+      <a:accent3>
+        <a:srgbClr val="A5A5A5"/>
+      </a:accent3>
+      <a:accent4>
+        <a:srgbClr val="FFC000"/>
+      </a:accent4>
+      <a:accent5>
+        <a:srgbClr val="5B9BD5"/>
+      </a:accent5>
+      <a:accent6>
+        <a:srgbClr val="70AD47"/>
+      </a:accent6>
+      <a:hlink>
+        <a:srgbClr val="0563C1"/>
+      </a:hlink>
+      <a:folHlink>
+        <a:srgbClr val="954F72"/>
+      </a:folHlink>
+    </a:clrScheme>
+    <a:fontScheme name="Office">
+      <a:majorFont>
+        <a:latin typeface="Calibri Light" panose="020F0302020204030204"/>
+        <a:ea typeface=""/>
+        <a:cs typeface=""/>
+        <a:font script="Jpan" typeface="游ゴシック Light"/>
+        <a:font script="Hang" typeface="맑은 고딕"/>
+        <a:font script="Hans" typeface="等线 Light"/>
+        <a:font script="Hant" typeface="新細明體"/>
+        <a:font script="Arab" typeface="Times New Roman"/>
+        <a:font script="Hebr" typeface="Times New Roman"/>
+        <a:font script="Thai" typeface="Angsana New"/>
+        <a:font script="Ethi" typeface="Nyala"/>
+        <a:font script="Beng" typeface="Vrinda"/>
+        <a:font script="Gujr" typeface="Shruti"/>
+        <a:font script="Khmr" typeface="MoolBoran"/>
+        <a:font script="Knda" typeface="Tunga"/>
+        <a:font script="Guru" typeface="Raavi"/>
+        <a:font script="Cans" typeface="Euphemia"/>
+        <a:font script="Cher" typeface="Plantagenet Cherokee"/>
+        <a:font script="Yiii" typeface="Microsoft Yi Baiti"/>
+        <a:font script="Tibt" typeface="Microsoft Himalaya"/>
+        <a:font script="Thaa" typeface="MV Boli"/>
+        <a:font script="Deva" typeface="Mangal"/>
+        <a:font script="Telu" typeface="Gautami"/>
+        <a:font script="Taml" typeface="Latha"/>
+        <a:font script="Syrc" typeface="Estrangelo Edessa"/>
+        <a:font script="Orya" typeface="Kalinga"/>
+        <a:font script="Mlym" typeface="Kartika"/>
+        <a:font script="Laoo" typeface="DokChampa"/>
+        <a:font script="Sinh" typeface="Iskoola Pota"/>
+        <a:font script="Mong" typeface="Mongolian Baiti"/>
+        <a:font script="Viet" typeface="Times New Roman"/>
+        <a:font script="Uigh" typeface="Microsoft Uighur"/>
+        <a:font script="Geor" typeface="Sylfaen"/>
+        <a:font script="Armn" typeface="Arial"/>
+        <a:font script="Bugi" typeface="Leelawadee UI"/>
+        <a:font script="Bopo" typeface="Microsoft JhengHei"/>
+        <a:font script="Java" typeface="Javanese Text"/>
+        <a:font script="Lisu" typeface="Segoe UI"/>
+        <a:font script="Mymr" typeface="Myanmar Text"/>
+        <a:font script="Nkoo" typeface="Ebrima"/>
+        <a:font script="Olck" typeface="Nirmala UI"/>
+        <a:font script="Osma" typeface="Ebrima"/>
+        <a:font script="Phag" typeface="Phagspa"/>
+        <a:font script="Syrn" typeface="Estrangelo Edessa"/>
+        <a:font script="Syrj" typeface="Estrangelo Edessa"/>
+        <a:font script="Syre" typeface="Estrangelo Edessa"/>
+        <a:font script="Sora" typeface="Nirmala UI"/>
+        <a:font script="Tale" typeface="Microsoft Tai Le"/>
+        <a:font script="Talu" typeface="Microsoft New Tai Lue"/>
+        <a:font script="Tfng" typeface="Ebrima"/>
+      </a:majorFont>
+      <a:minorFont>
+        <a:latin typeface="Calibri" panose="020F0502020204030204"/>
+        <a:ea typeface=""/>
+        <a:cs typeface=""/>
+        <a:font script="Jpan" typeface="游ゴシック"/>
+        <a:font script="Hang" typeface="맑은 고딕"/>
+        <a:font script="Hans" typeface="等线"/>
+        <a:font script="Hant" typeface="新細明體"/>
+        <a:font script="Arab" typeface="Arial"/>
+        <a:font script="Hebr" typeface="Arial"/>
+        <a:font script="Thai" typeface="Cordia New"/>
+        <a:font script="Ethi" typeface="Nyala"/>
+        <a:font script="Beng" typeface="Vrinda"/>
+        <a:font script="Gujr" typeface="Shruti"/>
+        <a:font script="Khmr" typeface="DaunPenh"/>
+        <a:font script="Knda" typeface="Tunga"/>
+        <a:font script="Guru" typeface="Raavi"/>
+        <a:font script="Cans" typeface="Euphemia"/>
+        <a:font script="Cher" typeface="Plantagenet Cherokee"/>
+        <a:font script="Yiii" typeface="Microsoft Yi Baiti"/>
+        <a:font script="Tibt" typeface="Microsoft Himalaya"/>
+        <a:font script="Thaa" typeface="MV Boli"/>
+        <a:font script="Deva" typeface="Mangal"/>
+        <a:font script="Telu" typeface="Gautami"/>
+        <a:font script="Taml" typeface="Latha"/>
+        <a:font script="Syrc" typeface="Estrangelo Edessa"/>
+        <a:font script="Orya" typeface="Kalinga"/>
+        <a:font script="Mlym" typeface="Kartika"/>
+        <a:font script="Laoo" typeface="DokChampa"/>
+        <a:font script="Sinh" typeface="Iskoola Pota"/>
+        <a:font script="Mong" typeface="Mongolian Baiti"/>
+        <a:font script="Viet" typeface="Arial"/>
+        <a:font script="Uigh" typeface="Microsoft Uighur"/>
+        <a:font script="Geor" typeface="Sylfaen"/>
+        <a:font script="Armn" typeface="Arial"/>
+        <a:font script="Bugi" typeface="Leelawadee UI"/>
+        <a:font script="Bopo" typeface="Microsoft JhengHei"/>
+        <a:font script="Java" typeface="Javanese Text"/>
+        <a:font script="Lisu" typeface="Segoe UI"/>
+        <a:font script="Mymr" typeface="Myanmar Text"/>
+        <a:font script="Nkoo" typeface="Ebrima"/>
+        <a:font script="Olck" typeface="Nirmala UI"/>
+        <a:font script="Osma" typeface="Ebrima"/>
+        <a:font script="Phag" typeface="Phagspa"/>
+        <a:font script="Syrn" typeface="Estrangelo Edessa"/>
+        <a:font script="Syrj" typeface="Estrangelo Edessa"/>
+        <a:font script="Syre" typeface="Estrangelo Edessa"/>
+        <a:font script="Sora" typeface="Nirmala UI"/>
+        <a:font script="Tale" typeface="Microsoft Tai Le"/>
+        <a:font script="Talu" typeface="Microsoft New Tai Lue"/>
+        <a:font script="Tfng" typeface="Ebrima"/>
+      </a:minorFont>
+    </a:fontScheme>
+    <a:fmtScheme name="Office">
+      <a:fillStyleLst>
+        <a:solidFill>
+          <a:schemeClr val="phClr"/>
+        </a:solidFill>
+        <a:gradFill rotWithShape="1">
+          <a:gsLst>
+            <a:gs pos="0">
+              <a:schemeClr val="phClr">
+                <a:lumMod val="110000"/>
+                <a:satMod val="105000"/>
+                <a:tint val="67000"/>
+              </a:schemeClr>
+            </a:gs>
+            <a:gs pos="50000">
+              <a:schemeClr val="phClr">
+                <a:lumMod val="105000"/>
+                <a:satMod val="103000"/>
+                <a:tint val="73000"/>
+              </a:schemeClr>
+            </a:gs>
+            <a:gs pos="100000">
+              <a:schemeClr val="phClr">
+                <a:lumMod val="105000"/>
+                <a:satMod val="109000"/>
+                <a:tint val="81000"/>
+              </a:schemeClr>
+            </a:gs>
+          </a:gsLst>
+          <a:lin ang="5400000" scaled="0"/>
+        </a:gradFill>
+        <a:gradFill rotWithShape="1">
+          <a:gsLst>
+            <a:gs pos="0">
+              <a:schemeClr val="phClr">
+                <a:satMod val="103000"/>
+                <a:lumMod val="102000"/>
+                <a:tint val="94000"/>
+              </a:schemeClr>
+            </a:gs>
+            <a:gs pos="50000">
+              <a:schemeClr val="phClr">
+                <a:satMod val="110000"/>
+                <a:lumMod val="100000"/>
+                <a:shade val="100000"/>
+              </a:schemeClr>
+            </a:gs>
+            <a:gs pos="100000">
+              <a:schemeClr val="phClr">
+                <a:lumMod val="99000"/>
+                <a:satMod val="120000"/>
+                <a:shade val="78000"/>
+              </a:schemeClr>
+            </a:gs>
+          </a:gsLst>
+          <a:lin ang="5400000" scaled="0"/>
+        </a:gradFill>
+      </a:fillStyleLst>
+      <a:lnStyleLst>
+        <a:ln w="6350" cap="flat" cmpd="sng" algn="ctr">
+          <a:solidFill>
+            <a:schemeClr val="phClr"/>
+          </a:solidFill>
+          <a:prstDash val="solid"/>
+          <a:miter lim="800000"/>
+        </a:ln>
+        <a:ln w="12700" cap="flat" cmpd="sng" algn="ctr">
+          <a:solidFill>
+            <a:schemeClr val="phClr"/>
+          </a:solidFill>
+          <a:prstDash val="solid"/>
+          <a:miter lim="800000"/>
+        </a:ln>
+        <a:ln w="19050" cap="flat" cmpd="sng" algn="ctr">
+          <a:solidFill>
+            <a:schemeClr val="phClr"/>
+          </a:solidFill>
+          <a:prstDash val="solid"/>
+          <a:miter lim="800000"/>
+        </a:ln>
+      </a:lnStyleLst>
+      <a:effectStyleLst>
+        <a:effectStyle>
+          <a:effectLst/>
+        </a:effectStyle>
+        <a:effectStyle>
+          <a:effectLst/>
+        </a:effectStyle>
+        <a:effectStyle>
+          <a:effectLst>
+            <a:outerShdw blurRad="57150" dist="19050" dir="5400000" algn="ctr" rotWithShape="0">
+              <a:srgbClr val="000000">
+                <a:alpha val="63000"/>
+              </a:srgbClr>
+            </a:outerShdw>
+          </a:effectLst>
+        </a:effectStyle>
+      </a:effectStyleLst>
+      <a:bgFillStyleLst>
+        <a:solidFill>
+          <a:schemeClr val="phClr"/>
+        </a:solidFill>
+        <a:solidFill>
+          <a:schemeClr val="phClr">
+            <a:tint val="95000"/>
+            <a:satMod val="170000"/>
+          </a:schemeClr>
+        </a:solidFill>
+        <a:gradFill rotWithShape="1">
+          <a:gsLst>
+            <a:gs pos="0">
+              <a:schemeClr val="phClr">
+                <a:tint val="93000"/>
+                <a:satMod val="150000"/>
+                <a:shade val="98000"/>
+                <a:lumMod val="102000"/>
+              </a:schemeClr>
+            </a:gs>
+            <a:gs pos="50000">
+              <a:schemeClr val="phClr">
+                <a:tint val="98000"/>
+                <a:satMod val="130000"/>
+                <a:shade val="90000"/>
+                <a:lumMod val="103000"/>
+              </a:schemeClr>
+            </a:gs>
+            <a:gs pos="100000">
+              <a:schemeClr val="phClr">
+                <a:shade val="63000"/>
+                <a:satMod val="120000"/>
+              </a:schemeClr>
+            </a:gs>
+          </a:gsLst>
+          <a:lin ang="5400000" scaled="0"/>
+        </a:gradFill>
+      </a:bgFillStyleLst>
+    </a:fmtScheme>
+  </a:themeElements>
+  <a:objectDefaults/>
+  <a:extraClrSchemeLst/>
+  <a:extLst>
+    <a:ext uri="{05A4C25C-085E-4340-85A3-A5531E510DB2}">
+      <thm15:themeFamily xmlns:thm15="http://schemas.microsoft.com/office/thememl/2012/main" name="Office Theme" id="{62F939B6-93AF-4DB8-9C6B-D6C7DFDC589F}" vid="{4A3C46E8-61CC-4603-A589-7422A47A8E4A}"/>
+    </a:ext>
+  </a:extLst>
+</a:theme>
 </file>
--- a/Presentation1.pptx
+++ b/Presentation1.pptx
@@ -5,7 +5,7 @@
     <p:sldMasterId id="2147483713" r:id="rId1"/>
   </p:sldMasterIdLst>
   <p:notesMasterIdLst>
-    <p:notesMasterId r:id="rId14"/>
+    <p:notesMasterId r:id="rId15"/>
   </p:notesMasterIdLst>
   <p:sldIdLst>
     <p:sldId id="264" r:id="rId2"/>
@@ -20,6 +20,7 @@
     <p:sldId id="267" r:id="rId11"/>
     <p:sldId id="269" r:id="rId12"/>
     <p:sldId id="268" r:id="rId13"/>
+    <p:sldId id="270" r:id="rId14"/>
   </p:sldIdLst>
   <p:sldSz cx="12192000" cy="6858000"/>
   <p:notesSz cx="6858000" cy="9144000"/>
@@ -220,7 +221,7 @@
           <a:p>
             <a:fld id="{43B03D00-87E9-CD40-9E0A-A805911C206D}" type="datetimeFigureOut">
               <a:rPr lang="en-US" smtClean="0"/>
-              <a:t>9/7/20</a:t>
+              <a:t>9/9/20</a:t>
             </a:fld>
             <a:endParaRPr lang="en-US"/>
           </a:p>
@@ -536,6 +537,12 @@
               <a:t>CAP theorem</a:t>
             </a:r>
           </a:p>
+          <a:p>
+            <a:r>
+              <a:rPr lang="en-US" dirty="0"/>
+              <a:t>tunnel-based forwarding = no loop</a:t>
+            </a:r>
+          </a:p>
         </p:txBody>
       </p:sp>
       <p:sp>
@@ -659,6 +666,196 @@
 </file>
 
 <file path=ppt/notesSlides/notesSlide3.xml><?xml version="1.0" encoding="utf-8"?>
+<p:notes xmlns:a="http://schemas.openxmlformats.org/drawingml/2006/main" xmlns:r="http://schemas.openxmlformats.org/officeDocument/2006/relationships" xmlns:p="http://schemas.openxmlformats.org/presentationml/2006/main">
+  <p:cSld>
+    <p:spTree>
+      <p:nvGrpSpPr>
+        <p:cNvPr id="1" name=""/>
+        <p:cNvGrpSpPr/>
+        <p:nvPr/>
+      </p:nvGrpSpPr>
+      <p:grpSpPr>
+        <a:xfrm>
+          <a:off x="0" y="0"/>
+          <a:ext cx="0" cy="0"/>
+          <a:chOff x="0" y="0"/>
+          <a:chExt cx="0" cy="0"/>
+        </a:xfrm>
+      </p:grpSpPr>
+      <p:sp>
+        <p:nvSpPr>
+          <p:cNvPr id="2" name="Slide Image Placeholder 1"/>
+          <p:cNvSpPr>
+            <a:spLocks noGrp="1" noRot="1" noChangeAspect="1"/>
+          </p:cNvSpPr>
+          <p:nvPr>
+            <p:ph type="sldImg"/>
+          </p:nvPr>
+        </p:nvSpPr>
+        <p:spPr/>
+      </p:sp>
+      <p:sp>
+        <p:nvSpPr>
+          <p:cNvPr id="3" name="Notes Placeholder 2"/>
+          <p:cNvSpPr>
+            <a:spLocks noGrp="1"/>
+          </p:cNvSpPr>
+          <p:nvPr>
+            <p:ph type="body" idx="1"/>
+          </p:nvPr>
+        </p:nvSpPr>
+        <p:spPr/>
+        <p:txBody>
+          <a:bodyPr/>
+          <a:lstStyle/>
+          <a:p>
+            <a:pPr marL="0" algn="r" defTabSz="914400" rtl="1" eaLnBrk="1" latinLnBrk="0" hangingPunct="1"/>
+            <a:r>
+              <a:rPr lang="fa-IR" dirty="0"/>
+              <a:t>تویی </a:t>
+            </a:r>
+            <a:r>
+              <a:rPr lang="fa-IR" dirty="0" err="1"/>
+              <a:t>دیتا</a:t>
+            </a:r>
+            <a:r>
+              <a:rPr lang="fa-IR" dirty="0"/>
+              <a:t> سنتر ها ممکنه است </a:t>
+            </a:r>
+            <a:r>
+              <a:rPr lang="fa-IR" dirty="0" err="1"/>
+              <a:t>اسپلیت</a:t>
+            </a:r>
+            <a:r>
+              <a:rPr lang="fa-IR" dirty="0"/>
+              <a:t> بخواهیم بکنیم.</a:t>
+            </a:r>
+            <a:endParaRPr lang="en-US" dirty="0"/>
+          </a:p>
+        </p:txBody>
+      </p:sp>
+      <p:sp>
+        <p:nvSpPr>
+          <p:cNvPr id="4" name="Slide Number Placeholder 3"/>
+          <p:cNvSpPr>
+            <a:spLocks noGrp="1"/>
+          </p:cNvSpPr>
+          <p:nvPr>
+            <p:ph type="sldNum" sz="quarter" idx="5"/>
+          </p:nvPr>
+        </p:nvSpPr>
+        <p:spPr/>
+        <p:txBody>
+          <a:bodyPr/>
+          <a:lstStyle/>
+          <a:p>
+            <a:fld id="{B4C64AD5-8805-2546-9ABC-6B6BC5EF0F2A}" type="slidenum">
+              <a:rPr lang="en-US" smtClean="0"/>
+              <a:t>8</a:t>
+            </a:fld>
+            <a:endParaRPr lang="en-US"/>
+          </a:p>
+        </p:txBody>
+      </p:sp>
+    </p:spTree>
+    <p:extLst>
+      <p:ext uri="{BB962C8B-B14F-4D97-AF65-F5344CB8AC3E}">
+        <p14:creationId xmlns:p14="http://schemas.microsoft.com/office/powerpoint/2010/main" val="1094889331"/>
+      </p:ext>
+    </p:extLst>
+  </p:cSld>
+  <p:clrMapOvr>
+    <a:masterClrMapping/>
+  </p:clrMapOvr>
+</p:notes>
+</file>
+
+<file path=ppt/notesSlides/notesSlide4.xml><?xml version="1.0" encoding="utf-8"?>
+<p:notes xmlns:a="http://schemas.openxmlformats.org/drawingml/2006/main" xmlns:r="http://schemas.openxmlformats.org/officeDocument/2006/relationships" xmlns:p="http://schemas.openxmlformats.org/presentationml/2006/main">
+  <p:cSld>
+    <p:spTree>
+      <p:nvGrpSpPr>
+        <p:cNvPr id="1" name=""/>
+        <p:cNvGrpSpPr/>
+        <p:nvPr/>
+      </p:nvGrpSpPr>
+      <p:grpSpPr>
+        <a:xfrm>
+          <a:off x="0" y="0"/>
+          <a:ext cx="0" cy="0"/>
+          <a:chOff x="0" y="0"/>
+          <a:chExt cx="0" cy="0"/>
+        </a:xfrm>
+      </p:grpSpPr>
+      <p:sp>
+        <p:nvSpPr>
+          <p:cNvPr id="2" name="Slide Image Placeholder 1"/>
+          <p:cNvSpPr>
+            <a:spLocks noGrp="1" noRot="1" noChangeAspect="1"/>
+          </p:cNvSpPr>
+          <p:nvPr>
+            <p:ph type="sldImg"/>
+          </p:nvPr>
+        </p:nvSpPr>
+        <p:spPr/>
+      </p:sp>
+      <p:sp>
+        <p:nvSpPr>
+          <p:cNvPr id="3" name="Notes Placeholder 2"/>
+          <p:cNvSpPr>
+            <a:spLocks noGrp="1"/>
+          </p:cNvSpPr>
+          <p:nvPr>
+            <p:ph type="body" idx="1"/>
+          </p:nvPr>
+        </p:nvSpPr>
+        <p:spPr/>
+        <p:txBody>
+          <a:bodyPr/>
+          <a:lstStyle/>
+          <a:p>
+            <a:pPr marL="0" algn="r" defTabSz="914400" rtl="1" eaLnBrk="1" latinLnBrk="0" hangingPunct="1"/>
+            <a:endParaRPr lang="en-US" dirty="0"/>
+          </a:p>
+        </p:txBody>
+      </p:sp>
+      <p:sp>
+        <p:nvSpPr>
+          <p:cNvPr id="4" name="Slide Number Placeholder 3"/>
+          <p:cNvSpPr>
+            <a:spLocks noGrp="1"/>
+          </p:cNvSpPr>
+          <p:nvPr>
+            <p:ph type="sldNum" sz="quarter" idx="5"/>
+          </p:nvPr>
+        </p:nvSpPr>
+        <p:spPr/>
+        <p:txBody>
+          <a:bodyPr/>
+          <a:lstStyle/>
+          <a:p>
+            <a:fld id="{B4C64AD5-8805-2546-9ABC-6B6BC5EF0F2A}" type="slidenum">
+              <a:rPr lang="en-US" smtClean="0"/>
+              <a:t>9</a:t>
+            </a:fld>
+            <a:endParaRPr lang="en-US"/>
+          </a:p>
+        </p:txBody>
+      </p:sp>
+    </p:spTree>
+    <p:extLst>
+      <p:ext uri="{BB962C8B-B14F-4D97-AF65-F5344CB8AC3E}">
+        <p14:creationId xmlns:p14="http://schemas.microsoft.com/office/powerpoint/2010/main" val="233739730"/>
+      </p:ext>
+    </p:extLst>
+  </p:cSld>
+  <p:clrMapOvr>
+    <a:masterClrMapping/>
+  </p:clrMapOvr>
+</p:notes>
+</file>
+
+<file path=ppt/notesSlides/notesSlide5.xml><?xml version="1.0" encoding="utf-8"?>
 <p:notes xmlns:a="http://schemas.openxmlformats.org/drawingml/2006/main" xmlns:r="http://schemas.openxmlformats.org/officeDocument/2006/relationships" xmlns:p="http://schemas.openxmlformats.org/presentationml/2006/main">
   <p:cSld>
     <p:spTree>
@@ -929,7 +1126,7 @@
           <a:p>
             <a:fld id="{CB6EDE66-5AA1-8B45-AA44-4FC69B15FE04}" type="datetimeFigureOut">
               <a:rPr lang="en-US" smtClean="0"/>
-              <a:t>9/7/20</a:t>
+              <a:t>9/9/20</a:t>
             </a:fld>
             <a:endParaRPr lang="en-US"/>
           </a:p>
@@ -1196,7 +1393,7 @@
           <a:p>
             <a:fld id="{CB6EDE66-5AA1-8B45-AA44-4FC69B15FE04}" type="datetimeFigureOut">
               <a:rPr lang="en-US" smtClean="0"/>
-              <a:t>9/7/20</a:t>
+              <a:t>9/9/20</a:t>
             </a:fld>
             <a:endParaRPr lang="en-US"/>
           </a:p>
@@ -1427,7 +1624,7 @@
           <a:p>
             <a:fld id="{CB6EDE66-5AA1-8B45-AA44-4FC69B15FE04}" type="datetimeFigureOut">
               <a:rPr lang="en-US" smtClean="0"/>
-              <a:t>9/7/20</a:t>
+              <a:t>9/9/20</a:t>
             </a:fld>
             <a:endParaRPr lang="en-US"/>
           </a:p>
@@ -1737,7 +1934,7 @@
           <a:p>
             <a:fld id="{CB6EDE66-5AA1-8B45-AA44-4FC69B15FE04}" type="datetimeFigureOut">
               <a:rPr lang="en-US" smtClean="0"/>
-              <a:t>9/7/20</a:t>
+              <a:t>9/9/20</a:t>
             </a:fld>
             <a:endParaRPr lang="en-US"/>
           </a:p>
@@ -2210,7 +2407,7 @@
           <a:p>
             <a:fld id="{CB6EDE66-5AA1-8B45-AA44-4FC69B15FE04}" type="datetimeFigureOut">
               <a:rPr lang="en-US" smtClean="0"/>
-              <a:t>9/7/20</a:t>
+              <a:t>9/9/20</a:t>
             </a:fld>
             <a:endParaRPr lang="en-US"/>
           </a:p>
@@ -2757,7 +2954,7 @@
           <a:p>
             <a:fld id="{CB6EDE66-5AA1-8B45-AA44-4FC69B15FE04}" type="datetimeFigureOut">
               <a:rPr lang="en-US" smtClean="0"/>
-              <a:t>9/7/20</a:t>
+              <a:t>9/9/20</a:t>
             </a:fld>
             <a:endParaRPr lang="en-US"/>
           </a:p>
@@ -3531,7 +3728,7 @@
           <a:p>
             <a:fld id="{CB6EDE66-5AA1-8B45-AA44-4FC69B15FE04}" type="datetimeFigureOut">
               <a:rPr lang="en-US" smtClean="0"/>
-              <a:t>9/7/20</a:t>
+              <a:t>9/9/20</a:t>
             </a:fld>
             <a:endParaRPr lang="en-US"/>
           </a:p>
@@ -3706,7 +3903,7 @@
           <a:p>
             <a:fld id="{CB6EDE66-5AA1-8B45-AA44-4FC69B15FE04}" type="datetimeFigureOut">
               <a:rPr lang="en-US" smtClean="0"/>
-              <a:t>9/7/20</a:t>
+              <a:t>9/9/20</a:t>
             </a:fld>
             <a:endParaRPr lang="en-US"/>
           </a:p>
@@ -3929,7 +4126,7 @@
           <a:p>
             <a:fld id="{CB6EDE66-5AA1-8B45-AA44-4FC69B15FE04}" type="datetimeFigureOut">
               <a:rPr lang="en-US" smtClean="0"/>
-              <a:t>9/7/20</a:t>
+              <a:t>9/9/20</a:t>
             </a:fld>
             <a:endParaRPr lang="en-US"/>
           </a:p>
@@ -4109,7 +4306,7 @@
           <a:p>
             <a:fld id="{CB6EDE66-5AA1-8B45-AA44-4FC69B15FE04}" type="datetimeFigureOut">
               <a:rPr lang="en-US" smtClean="0"/>
-              <a:t>9/7/20</a:t>
+              <a:t>9/9/20</a:t>
             </a:fld>
             <a:endParaRPr lang="en-US"/>
           </a:p>
@@ -4398,7 +4595,7 @@
           <a:p>
             <a:fld id="{CB6EDE66-5AA1-8B45-AA44-4FC69B15FE04}" type="datetimeFigureOut">
               <a:rPr lang="en-US" smtClean="0"/>
-              <a:t>9/7/20</a:t>
+              <a:t>9/9/20</a:t>
             </a:fld>
             <a:endParaRPr lang="en-US"/>
           </a:p>
@@ -4640,7 +4837,7 @@
           <a:p>
             <a:fld id="{CB6EDE66-5AA1-8B45-AA44-4FC69B15FE04}" type="datetimeFigureOut">
               <a:rPr lang="en-US" smtClean="0"/>
-              <a:t>9/7/20</a:t>
+              <a:t>9/9/20</a:t>
             </a:fld>
             <a:endParaRPr lang="en-US"/>
           </a:p>
@@ -5019,7 +5216,7 @@
           <a:p>
             <a:fld id="{CB6EDE66-5AA1-8B45-AA44-4FC69B15FE04}" type="datetimeFigureOut">
               <a:rPr lang="en-US" smtClean="0"/>
-              <a:t>9/7/20</a:t>
+              <a:t>9/9/20</a:t>
             </a:fld>
             <a:endParaRPr lang="en-US"/>
           </a:p>
@@ -5137,7 +5334,7 @@
           <a:p>
             <a:fld id="{CB6EDE66-5AA1-8B45-AA44-4FC69B15FE04}" type="datetimeFigureOut">
               <a:rPr lang="en-US" smtClean="0"/>
-              <a:t>9/7/20</a:t>
+              <a:t>9/9/20</a:t>
             </a:fld>
             <a:endParaRPr lang="en-US"/>
           </a:p>
@@ -5232,7 +5429,7 @@
           <a:p>
             <a:fld id="{CB6EDE66-5AA1-8B45-AA44-4FC69B15FE04}" type="datetimeFigureOut">
               <a:rPr lang="en-US" smtClean="0"/>
-              <a:t>9/7/20</a:t>
+              <a:t>9/9/20</a:t>
             </a:fld>
             <a:endParaRPr lang="en-US"/>
           </a:p>
@@ -5481,7 +5678,7 @@
           <a:p>
             <a:fld id="{CB6EDE66-5AA1-8B45-AA44-4FC69B15FE04}" type="datetimeFigureOut">
               <a:rPr lang="en-US" smtClean="0"/>
-              <a:t>9/7/20</a:t>
+              <a:t>9/9/20</a:t>
             </a:fld>
             <a:endParaRPr lang="en-US"/>
           </a:p>
@@ -5738,7 +5935,7 @@
           <a:p>
             <a:fld id="{CB6EDE66-5AA1-8B45-AA44-4FC69B15FE04}" type="datetimeFigureOut">
               <a:rPr lang="en-US" smtClean="0"/>
-              <a:t>9/7/20</a:t>
+              <a:t>9/9/20</a:t>
             </a:fld>
             <a:endParaRPr lang="en-US"/>
           </a:p>
@@ -5981,7 +6178,7 @@
           <a:p>
             <a:fld id="{CB6EDE66-5AA1-8B45-AA44-4FC69B15FE04}" type="datetimeFigureOut">
               <a:rPr lang="en-US" smtClean="0"/>
-              <a:t>9/7/20</a:t>
+              <a:t>9/9/20</a:t>
             </a:fld>
             <a:endParaRPr lang="en-US"/>
           </a:p>
@@ -6867,6 +7064,115 @@
 </p:sld>
 </file>
 
+<file path=ppt/slides/slide13.xml><?xml version="1.0" encoding="utf-8"?>
+<p:sld xmlns:a="http://schemas.openxmlformats.org/drawingml/2006/main" xmlns:r="http://schemas.openxmlformats.org/officeDocument/2006/relationships" xmlns:p="http://schemas.openxmlformats.org/presentationml/2006/main">
+  <p:cSld>
+    <p:spTree>
+      <p:nvGrpSpPr>
+        <p:cNvPr id="1" name=""/>
+        <p:cNvGrpSpPr/>
+        <p:nvPr/>
+      </p:nvGrpSpPr>
+      <p:grpSpPr>
+        <a:xfrm>
+          <a:off x="0" y="0"/>
+          <a:ext cx="0" cy="0"/>
+          <a:chOff x="0" y="0"/>
+          <a:chExt cx="0" cy="0"/>
+        </a:xfrm>
+      </p:grpSpPr>
+      <p:sp>
+        <p:nvSpPr>
+          <p:cNvPr id="2" name="Title 1">
+            <a:extLst>
+              <a:ext uri="{FF2B5EF4-FFF2-40B4-BE49-F238E27FC236}">
+                <a16:creationId xmlns:a16="http://schemas.microsoft.com/office/drawing/2014/main" id="{AF86D797-1947-444C-B926-71848F9C7018}"/>
+              </a:ext>
+            </a:extLst>
+          </p:cNvPr>
+          <p:cNvSpPr>
+            <a:spLocks noGrp="1"/>
+          </p:cNvSpPr>
+          <p:nvPr>
+            <p:ph type="title"/>
+          </p:nvPr>
+        </p:nvSpPr>
+        <p:spPr>
+          <a:xfrm>
+            <a:off x="685800" y="774884"/>
+            <a:ext cx="8610600" cy="1293028"/>
+          </a:xfrm>
+        </p:spPr>
+        <p:txBody>
+          <a:bodyPr/>
+          <a:lstStyle/>
+          <a:p>
+            <a:pPr algn="l"/>
+            <a:r>
+              <a:rPr lang="en-US" dirty="0"/>
+              <a:t>conclusion</a:t>
+            </a:r>
+          </a:p>
+        </p:txBody>
+      </p:sp>
+      <p:sp>
+        <p:nvSpPr>
+          <p:cNvPr id="3" name="Content Placeholder 2">
+            <a:extLst>
+              <a:ext uri="{FF2B5EF4-FFF2-40B4-BE49-F238E27FC236}">
+                <a16:creationId xmlns:a16="http://schemas.microsoft.com/office/drawing/2014/main" id="{3AB310EE-7C8B-8048-AAB1-DF9D63A7932A}"/>
+              </a:ext>
+            </a:extLst>
+          </p:cNvPr>
+          <p:cNvSpPr>
+            <a:spLocks noGrp="1"/>
+          </p:cNvSpPr>
+          <p:nvPr>
+            <p:ph idx="1"/>
+          </p:nvPr>
+        </p:nvSpPr>
+        <p:spPr/>
+        <p:txBody>
+          <a:bodyPr/>
+          <a:lstStyle/>
+          <a:p>
+            <a:r>
+              <a:rPr lang="en-US" dirty="0"/>
+              <a:t>Hybrid approaches like Time4B4 and Time4SWAN result to fewer packet loss</a:t>
+            </a:r>
+          </a:p>
+          <a:p>
+            <a:r>
+              <a:rPr lang="en-US" dirty="0"/>
+              <a:t>Ordered approaches like Dionysus works in order of </a:t>
+            </a:r>
+            <a:r>
+              <a:rPr lang="en-US"/>
+              <a:t>minutes .</a:t>
+            </a:r>
+            <a:endParaRPr lang="en-US" dirty="0"/>
+          </a:p>
+          <a:p>
+            <a:r>
+              <a:rPr lang="en-US" dirty="0"/>
+              <a:t>It seems a combination of bandwidth reduction and using time is useful.</a:t>
+            </a:r>
+          </a:p>
+        </p:txBody>
+      </p:sp>
+    </p:spTree>
+    <p:extLst>
+      <p:ext uri="{BB962C8B-B14F-4D97-AF65-F5344CB8AC3E}">
+        <p14:creationId xmlns:p14="http://schemas.microsoft.com/office/powerpoint/2010/main" val="680310342"/>
+      </p:ext>
+    </p:extLst>
+  </p:cSld>
+  <p:clrMapOvr>
+    <a:masterClrMapping/>
+  </p:clrMapOvr>
+</p:sld>
+</file>
+
 <file path=ppt/slides/slide2.xml><?xml version="1.0" encoding="utf-8"?>
 <p:sld xmlns:a="http://schemas.openxmlformats.org/drawingml/2006/main" xmlns:r="http://schemas.openxmlformats.org/officeDocument/2006/relationships" xmlns:p="http://schemas.openxmlformats.org/presentationml/2006/main">
   <p:cSld>
@@ -7931,7 +8237,7 @@
               <a:p>
                 <a:r>
                   <a:rPr lang="en-US" dirty="0"/>
-                  <a:t>Untimed methods are Previous approached like two-phase and ordered.</a:t>
+                  <a:t>Untimed methods are Previous approaches like two-phase and ordered.</a:t>
                 </a:r>
               </a:p>
               <a:p>
@@ -7959,7 +8265,7 @@
             </p:nvSpPr>
             <p:spPr>
               <a:blipFill>
-                <a:blip r:embed="rId2"/>
+                <a:blip r:embed="rId3"/>
                 <a:stretch>
                   <a:fillRect l="-587" t="-2208"/>
                 </a:stretch>
